--- a/Design.pptx
+++ b/Design.pptx
@@ -261,7 +261,7 @@
           <a:p>
             <a:fld id="{B765B296-C75D-4703-A406-B31156A76E93}" type="datetimeFigureOut">
               <a:rPr lang="en-US" smtClean="0"/>
-              <a:t>6/14/2023</a:t>
+              <a:t>6/18/2023</a:t>
             </a:fld>
             <a:endParaRPr lang="en-US"/>
           </a:p>
@@ -459,7 +459,7 @@
           <a:p>
             <a:fld id="{B765B296-C75D-4703-A406-B31156A76E93}" type="datetimeFigureOut">
               <a:rPr lang="en-US" smtClean="0"/>
-              <a:t>6/14/2023</a:t>
+              <a:t>6/18/2023</a:t>
             </a:fld>
             <a:endParaRPr lang="en-US"/>
           </a:p>
@@ -667,7 +667,7 @@
           <a:p>
             <a:fld id="{B765B296-C75D-4703-A406-B31156A76E93}" type="datetimeFigureOut">
               <a:rPr lang="en-US" smtClean="0"/>
-              <a:t>6/14/2023</a:t>
+              <a:t>6/18/2023</a:t>
             </a:fld>
             <a:endParaRPr lang="en-US"/>
           </a:p>
@@ -865,7 +865,7 @@
           <a:p>
             <a:fld id="{B765B296-C75D-4703-A406-B31156A76E93}" type="datetimeFigureOut">
               <a:rPr lang="en-US" smtClean="0"/>
-              <a:t>6/14/2023</a:t>
+              <a:t>6/18/2023</a:t>
             </a:fld>
             <a:endParaRPr lang="en-US"/>
           </a:p>
@@ -1140,7 +1140,7 @@
           <a:p>
             <a:fld id="{B765B296-C75D-4703-A406-B31156A76E93}" type="datetimeFigureOut">
               <a:rPr lang="en-US" smtClean="0"/>
-              <a:t>6/14/2023</a:t>
+              <a:t>6/18/2023</a:t>
             </a:fld>
             <a:endParaRPr lang="en-US"/>
           </a:p>
@@ -1405,7 +1405,7 @@
           <a:p>
             <a:fld id="{B765B296-C75D-4703-A406-B31156A76E93}" type="datetimeFigureOut">
               <a:rPr lang="en-US" smtClean="0"/>
-              <a:t>6/14/2023</a:t>
+              <a:t>6/18/2023</a:t>
             </a:fld>
             <a:endParaRPr lang="en-US"/>
           </a:p>
@@ -1817,7 +1817,7 @@
           <a:p>
             <a:fld id="{B765B296-C75D-4703-A406-B31156A76E93}" type="datetimeFigureOut">
               <a:rPr lang="en-US" smtClean="0"/>
-              <a:t>6/14/2023</a:t>
+              <a:t>6/18/2023</a:t>
             </a:fld>
             <a:endParaRPr lang="en-US"/>
           </a:p>
@@ -1958,7 +1958,7 @@
           <a:p>
             <a:fld id="{B765B296-C75D-4703-A406-B31156A76E93}" type="datetimeFigureOut">
               <a:rPr lang="en-US" smtClean="0"/>
-              <a:t>6/14/2023</a:t>
+              <a:t>6/18/2023</a:t>
             </a:fld>
             <a:endParaRPr lang="en-US"/>
           </a:p>
@@ -2071,7 +2071,7 @@
           <a:p>
             <a:fld id="{B765B296-C75D-4703-A406-B31156A76E93}" type="datetimeFigureOut">
               <a:rPr lang="en-US" smtClean="0"/>
-              <a:t>6/14/2023</a:t>
+              <a:t>6/18/2023</a:t>
             </a:fld>
             <a:endParaRPr lang="en-US"/>
           </a:p>
@@ -2382,7 +2382,7 @@
           <a:p>
             <a:fld id="{B765B296-C75D-4703-A406-B31156A76E93}" type="datetimeFigureOut">
               <a:rPr lang="en-US" smtClean="0"/>
-              <a:t>6/14/2023</a:t>
+              <a:t>6/18/2023</a:t>
             </a:fld>
             <a:endParaRPr lang="en-US"/>
           </a:p>
@@ -2670,7 +2670,7 @@
           <a:p>
             <a:fld id="{B765B296-C75D-4703-A406-B31156A76E93}" type="datetimeFigureOut">
               <a:rPr lang="en-US" smtClean="0"/>
-              <a:t>6/14/2023</a:t>
+              <a:t>6/18/2023</a:t>
             </a:fld>
             <a:endParaRPr lang="en-US"/>
           </a:p>
@@ -2911,7 +2911,7 @@
           <a:p>
             <a:fld id="{B765B296-C75D-4703-A406-B31156A76E93}" type="datetimeFigureOut">
               <a:rPr lang="en-US" smtClean="0"/>
-              <a:t>6/14/2023</a:t>
+              <a:t>6/18/2023</a:t>
             </a:fld>
             <a:endParaRPr lang="en-US"/>
           </a:p>
@@ -6098,7 +6098,7 @@
         </p:nvGrpSpPr>
         <p:grpSpPr>
           <a:xfrm>
-            <a:off x="1178560" y="2042160"/>
+            <a:off x="1417103" y="1838861"/>
             <a:ext cx="9215120" cy="1879600"/>
             <a:chOff x="1696720" y="2326640"/>
             <a:chExt cx="9215120" cy="1879600"/>

--- a/Design.pptx
+++ b/Design.pptx
@@ -6,8 +6,9 @@
   </p:sldMasterIdLst>
   <p:sldIdLst>
     <p:sldId id="256" r:id="rId2"/>
-    <p:sldId id="257" r:id="rId3"/>
-    <p:sldId id="258" r:id="rId4"/>
+    <p:sldId id="259" r:id="rId3"/>
+    <p:sldId id="257" r:id="rId4"/>
+    <p:sldId id="258" r:id="rId5"/>
   </p:sldIdLst>
   <p:sldSz cx="12192000" cy="6858000"/>
   <p:notesSz cx="6858000" cy="9144000"/>
@@ -261,7 +262,7 @@
           <a:p>
             <a:fld id="{B765B296-C75D-4703-A406-B31156A76E93}" type="datetimeFigureOut">
               <a:rPr lang="en-US" smtClean="0"/>
-              <a:t>6/18/2023</a:t>
+              <a:t>6/22/2023</a:t>
             </a:fld>
             <a:endParaRPr lang="en-US"/>
           </a:p>
@@ -459,7 +460,7 @@
           <a:p>
             <a:fld id="{B765B296-C75D-4703-A406-B31156A76E93}" type="datetimeFigureOut">
               <a:rPr lang="en-US" smtClean="0"/>
-              <a:t>6/18/2023</a:t>
+              <a:t>6/22/2023</a:t>
             </a:fld>
             <a:endParaRPr lang="en-US"/>
           </a:p>
@@ -667,7 +668,7 @@
           <a:p>
             <a:fld id="{B765B296-C75D-4703-A406-B31156A76E93}" type="datetimeFigureOut">
               <a:rPr lang="en-US" smtClean="0"/>
-              <a:t>6/18/2023</a:t>
+              <a:t>6/22/2023</a:t>
             </a:fld>
             <a:endParaRPr lang="en-US"/>
           </a:p>
@@ -865,7 +866,7 @@
           <a:p>
             <a:fld id="{B765B296-C75D-4703-A406-B31156A76E93}" type="datetimeFigureOut">
               <a:rPr lang="en-US" smtClean="0"/>
-              <a:t>6/18/2023</a:t>
+              <a:t>6/22/2023</a:t>
             </a:fld>
             <a:endParaRPr lang="en-US"/>
           </a:p>
@@ -1140,7 +1141,7 @@
           <a:p>
             <a:fld id="{B765B296-C75D-4703-A406-B31156A76E93}" type="datetimeFigureOut">
               <a:rPr lang="en-US" smtClean="0"/>
-              <a:t>6/18/2023</a:t>
+              <a:t>6/22/2023</a:t>
             </a:fld>
             <a:endParaRPr lang="en-US"/>
           </a:p>
@@ -1405,7 +1406,7 @@
           <a:p>
             <a:fld id="{B765B296-C75D-4703-A406-B31156A76E93}" type="datetimeFigureOut">
               <a:rPr lang="en-US" smtClean="0"/>
-              <a:t>6/18/2023</a:t>
+              <a:t>6/22/2023</a:t>
             </a:fld>
             <a:endParaRPr lang="en-US"/>
           </a:p>
@@ -1817,7 +1818,7 @@
           <a:p>
             <a:fld id="{B765B296-C75D-4703-A406-B31156A76E93}" type="datetimeFigureOut">
               <a:rPr lang="en-US" smtClean="0"/>
-              <a:t>6/18/2023</a:t>
+              <a:t>6/22/2023</a:t>
             </a:fld>
             <a:endParaRPr lang="en-US"/>
           </a:p>
@@ -1958,7 +1959,7 @@
           <a:p>
             <a:fld id="{B765B296-C75D-4703-A406-B31156A76E93}" type="datetimeFigureOut">
               <a:rPr lang="en-US" smtClean="0"/>
-              <a:t>6/18/2023</a:t>
+              <a:t>6/22/2023</a:t>
             </a:fld>
             <a:endParaRPr lang="en-US"/>
           </a:p>
@@ -2071,7 +2072,7 @@
           <a:p>
             <a:fld id="{B765B296-C75D-4703-A406-B31156A76E93}" type="datetimeFigureOut">
               <a:rPr lang="en-US" smtClean="0"/>
-              <a:t>6/18/2023</a:t>
+              <a:t>6/22/2023</a:t>
             </a:fld>
             <a:endParaRPr lang="en-US"/>
           </a:p>
@@ -2382,7 +2383,7 @@
           <a:p>
             <a:fld id="{B765B296-C75D-4703-A406-B31156A76E93}" type="datetimeFigureOut">
               <a:rPr lang="en-US" smtClean="0"/>
-              <a:t>6/18/2023</a:t>
+              <a:t>6/22/2023</a:t>
             </a:fld>
             <a:endParaRPr lang="en-US"/>
           </a:p>
@@ -2670,7 +2671,7 @@
           <a:p>
             <a:fld id="{B765B296-C75D-4703-A406-B31156A76E93}" type="datetimeFigureOut">
               <a:rPr lang="en-US" smtClean="0"/>
-              <a:t>6/18/2023</a:t>
+              <a:t>6/22/2023</a:t>
             </a:fld>
             <a:endParaRPr lang="en-US"/>
           </a:p>
@@ -2911,7 +2912,7 @@
           <a:p>
             <a:fld id="{B765B296-C75D-4703-A406-B31156A76E93}" type="datetimeFigureOut">
               <a:rPr lang="en-US" smtClean="0"/>
-              <a:t>6/18/2023</a:t>
+              <a:t>6/22/2023</a:t>
             </a:fld>
             <a:endParaRPr lang="en-US"/>
           </a:p>
@@ -6084,6 +6085,2481 @@
           <a:chExt cx="0" cy="0"/>
         </a:xfrm>
       </p:grpSpPr>
+      <p:sp>
+        <p:nvSpPr>
+          <p:cNvPr id="5" name="Rectangle 4">
+            <a:extLst>
+              <a:ext uri="{FF2B5EF4-FFF2-40B4-BE49-F238E27FC236}">
+                <a16:creationId xmlns:a16="http://schemas.microsoft.com/office/drawing/2014/main" id="{F326822A-09ED-8325-8240-CEF36D21FC58}"/>
+              </a:ext>
+            </a:extLst>
+          </p:cNvPr>
+          <p:cNvSpPr/>
+          <p:nvPr/>
+        </p:nvSpPr>
+        <p:spPr>
+          <a:xfrm>
+            <a:off x="614362" y="347662"/>
+            <a:ext cx="10963275" cy="6162675"/>
+          </a:xfrm>
+          <a:prstGeom prst="rect">
+            <a:avLst/>
+          </a:prstGeom>
+          <a:solidFill>
+            <a:schemeClr val="tx1">
+              <a:lumMod val="85000"/>
+              <a:lumOff val="15000"/>
+            </a:schemeClr>
+          </a:solidFill>
+          <a:ln>
+            <a:noFill/>
+          </a:ln>
+        </p:spPr>
+        <p:style>
+          <a:lnRef idx="2">
+            <a:schemeClr val="accent1">
+              <a:shade val="15000"/>
+            </a:schemeClr>
+          </a:lnRef>
+          <a:fillRef idx="1">
+            <a:schemeClr val="accent1"/>
+          </a:fillRef>
+          <a:effectRef idx="0">
+            <a:schemeClr val="accent1"/>
+          </a:effectRef>
+          <a:fontRef idx="minor">
+            <a:schemeClr val="lt1"/>
+          </a:fontRef>
+        </p:style>
+        <p:txBody>
+          <a:bodyPr rtlCol="0" anchor="ctr"/>
+          <a:lstStyle/>
+          <a:p>
+            <a:pPr algn="ctr"/>
+            <a:endParaRPr lang="en-US" dirty="0"/>
+          </a:p>
+        </p:txBody>
+      </p:sp>
+      <p:sp>
+        <p:nvSpPr>
+          <p:cNvPr id="4" name="Rectangle 3">
+            <a:extLst>
+              <a:ext uri="{FF2B5EF4-FFF2-40B4-BE49-F238E27FC236}">
+                <a16:creationId xmlns:a16="http://schemas.microsoft.com/office/drawing/2014/main" id="{3670FBA6-15E3-9F93-71C7-075C85A3404B}"/>
+              </a:ext>
+            </a:extLst>
+          </p:cNvPr>
+          <p:cNvSpPr/>
+          <p:nvPr/>
+        </p:nvSpPr>
+        <p:spPr>
+          <a:xfrm>
+            <a:off x="614362" y="347662"/>
+            <a:ext cx="1525334" cy="6162675"/>
+          </a:xfrm>
+          <a:prstGeom prst="rect">
+            <a:avLst/>
+          </a:prstGeom>
+          <a:solidFill>
+            <a:schemeClr val="tx1">
+              <a:lumMod val="95000"/>
+              <a:lumOff val="5000"/>
+            </a:schemeClr>
+          </a:solidFill>
+          <a:ln>
+            <a:noFill/>
+          </a:ln>
+        </p:spPr>
+        <p:style>
+          <a:lnRef idx="2">
+            <a:schemeClr val="accent1">
+              <a:shade val="15000"/>
+            </a:schemeClr>
+          </a:lnRef>
+          <a:fillRef idx="1">
+            <a:schemeClr val="accent1"/>
+          </a:fillRef>
+          <a:effectRef idx="0">
+            <a:schemeClr val="accent1"/>
+          </a:effectRef>
+          <a:fontRef idx="minor">
+            <a:schemeClr val="lt1"/>
+          </a:fontRef>
+        </p:style>
+        <p:txBody>
+          <a:bodyPr rtlCol="0" anchor="ctr"/>
+          <a:lstStyle/>
+          <a:p>
+            <a:pPr algn="ctr"/>
+            <a:endParaRPr lang="en-US" dirty="0"/>
+          </a:p>
+        </p:txBody>
+      </p:sp>
+      <p:sp>
+        <p:nvSpPr>
+          <p:cNvPr id="7" name="TextBox 6">
+            <a:extLst>
+              <a:ext uri="{FF2B5EF4-FFF2-40B4-BE49-F238E27FC236}">
+                <a16:creationId xmlns:a16="http://schemas.microsoft.com/office/drawing/2014/main" id="{9CF6C791-3EA4-4FA7-0575-D929FEAB9382}"/>
+              </a:ext>
+            </a:extLst>
+          </p:cNvPr>
+          <p:cNvSpPr txBox="1"/>
+          <p:nvPr/>
+        </p:nvSpPr>
+        <p:spPr>
+          <a:xfrm>
+            <a:off x="958769" y="1873958"/>
+            <a:ext cx="688009" cy="338554"/>
+          </a:xfrm>
+          <a:prstGeom prst="rect">
+            <a:avLst/>
+          </a:prstGeom>
+          <a:noFill/>
+        </p:spPr>
+        <p:txBody>
+          <a:bodyPr wrap="none" rtlCol="0">
+            <a:spAutoFit/>
+          </a:bodyPr>
+          <a:lstStyle/>
+          <a:p>
+            <a:r>
+              <a:rPr lang="en-US" sz="1600" dirty="0">
+                <a:solidFill>
+                  <a:schemeClr val="bg1"/>
+                </a:solidFill>
+              </a:rPr>
+              <a:t>Home</a:t>
+            </a:r>
+          </a:p>
+        </p:txBody>
+      </p:sp>
+      <p:sp>
+        <p:nvSpPr>
+          <p:cNvPr id="8" name="TextBox 7">
+            <a:extLst>
+              <a:ext uri="{FF2B5EF4-FFF2-40B4-BE49-F238E27FC236}">
+                <a16:creationId xmlns:a16="http://schemas.microsoft.com/office/drawing/2014/main" id="{AD80F042-A943-6534-F4D6-D76B830C06F6}"/>
+              </a:ext>
+            </a:extLst>
+          </p:cNvPr>
+          <p:cNvSpPr txBox="1"/>
+          <p:nvPr/>
+        </p:nvSpPr>
+        <p:spPr>
+          <a:xfrm>
+            <a:off x="955721" y="2245814"/>
+            <a:ext cx="756938" cy="338554"/>
+          </a:xfrm>
+          <a:prstGeom prst="rect">
+            <a:avLst/>
+          </a:prstGeom>
+          <a:noFill/>
+        </p:spPr>
+        <p:txBody>
+          <a:bodyPr wrap="none" rtlCol="0">
+            <a:spAutoFit/>
+          </a:bodyPr>
+          <a:lstStyle/>
+          <a:p>
+            <a:r>
+              <a:rPr lang="en-US" sz="1600" dirty="0">
+                <a:solidFill>
+                  <a:schemeClr val="bg1"/>
+                </a:solidFill>
+              </a:rPr>
+              <a:t>Library</a:t>
+            </a:r>
+          </a:p>
+        </p:txBody>
+      </p:sp>
+      <p:sp>
+        <p:nvSpPr>
+          <p:cNvPr id="9" name="TextBox 8">
+            <a:extLst>
+              <a:ext uri="{FF2B5EF4-FFF2-40B4-BE49-F238E27FC236}">
+                <a16:creationId xmlns:a16="http://schemas.microsoft.com/office/drawing/2014/main" id="{77F02E3A-1E8A-B036-2EF9-37468DBC460B}"/>
+              </a:ext>
+            </a:extLst>
+          </p:cNvPr>
+          <p:cNvSpPr txBox="1"/>
+          <p:nvPr/>
+        </p:nvSpPr>
+        <p:spPr>
+          <a:xfrm>
+            <a:off x="955721" y="2617670"/>
+            <a:ext cx="759247" cy="338554"/>
+          </a:xfrm>
+          <a:prstGeom prst="rect">
+            <a:avLst/>
+          </a:prstGeom>
+          <a:noFill/>
+        </p:spPr>
+        <p:txBody>
+          <a:bodyPr wrap="none" rtlCol="0">
+            <a:spAutoFit/>
+          </a:bodyPr>
+          <a:lstStyle/>
+          <a:p>
+            <a:r>
+              <a:rPr lang="en-US" sz="1600" dirty="0">
+                <a:solidFill>
+                  <a:schemeClr val="bg1"/>
+                </a:solidFill>
+              </a:rPr>
+              <a:t>Option</a:t>
+            </a:r>
+          </a:p>
+        </p:txBody>
+      </p:sp>
+      <p:sp>
+        <p:nvSpPr>
+          <p:cNvPr id="11" name="TextBox 10">
+            <a:extLst>
+              <a:ext uri="{FF2B5EF4-FFF2-40B4-BE49-F238E27FC236}">
+                <a16:creationId xmlns:a16="http://schemas.microsoft.com/office/drawing/2014/main" id="{B50234A6-4B43-A4BE-B9CB-D46700570604}"/>
+              </a:ext>
+            </a:extLst>
+          </p:cNvPr>
+          <p:cNvSpPr txBox="1"/>
+          <p:nvPr/>
+        </p:nvSpPr>
+        <p:spPr>
+          <a:xfrm>
+            <a:off x="801518" y="598765"/>
+            <a:ext cx="1151021" cy="369332"/>
+          </a:xfrm>
+          <a:prstGeom prst="rect">
+            <a:avLst/>
+          </a:prstGeom>
+          <a:noFill/>
+        </p:spPr>
+        <p:txBody>
+          <a:bodyPr wrap="none" rtlCol="0">
+            <a:spAutoFit/>
+          </a:bodyPr>
+          <a:lstStyle/>
+          <a:p>
+            <a:r>
+              <a:rPr lang="en-US" dirty="0">
+                <a:solidFill>
+                  <a:schemeClr val="bg1"/>
+                </a:solidFill>
+              </a:rPr>
+              <a:t>APP LOGO</a:t>
+            </a:r>
+          </a:p>
+        </p:txBody>
+      </p:sp>
+      <p:cxnSp>
+        <p:nvCxnSpPr>
+          <p:cNvPr id="16" name="Straight Connector 15">
+            <a:extLst>
+              <a:ext uri="{FF2B5EF4-FFF2-40B4-BE49-F238E27FC236}">
+                <a16:creationId xmlns:a16="http://schemas.microsoft.com/office/drawing/2014/main" id="{2B88CFC2-6ABD-13DF-A62D-C642EC5B3F60}"/>
+              </a:ext>
+            </a:extLst>
+          </p:cNvPr>
+          <p:cNvCxnSpPr>
+            <a:cxnSpLocks/>
+          </p:cNvCxnSpPr>
+          <p:nvPr/>
+        </p:nvCxnSpPr>
+        <p:spPr>
+          <a:xfrm flipH="1" flipV="1">
+            <a:off x="109728" y="3054096"/>
+            <a:ext cx="296586" cy="122850"/>
+          </a:xfrm>
+          <a:prstGeom prst="line">
+            <a:avLst/>
+          </a:prstGeom>
+          <a:ln>
+            <a:solidFill>
+              <a:schemeClr val="bg1"/>
+            </a:solidFill>
+          </a:ln>
+        </p:spPr>
+        <p:style>
+          <a:lnRef idx="1">
+            <a:schemeClr val="accent1"/>
+          </a:lnRef>
+          <a:fillRef idx="0">
+            <a:schemeClr val="accent1"/>
+          </a:fillRef>
+          <a:effectRef idx="0">
+            <a:schemeClr val="accent1"/>
+          </a:effectRef>
+          <a:fontRef idx="minor">
+            <a:schemeClr val="tx1"/>
+          </a:fontRef>
+        </p:style>
+      </p:cxnSp>
+      <p:sp>
+        <p:nvSpPr>
+          <p:cNvPr id="82" name="Rectangle 81">
+            <a:extLst>
+              <a:ext uri="{FF2B5EF4-FFF2-40B4-BE49-F238E27FC236}">
+                <a16:creationId xmlns:a16="http://schemas.microsoft.com/office/drawing/2014/main" id="{556DBC56-6AF7-EEC6-9EA5-19E9D2552C22}"/>
+              </a:ext>
+            </a:extLst>
+          </p:cNvPr>
+          <p:cNvSpPr/>
+          <p:nvPr/>
+        </p:nvSpPr>
+        <p:spPr>
+          <a:xfrm>
+            <a:off x="2139696" y="347662"/>
+            <a:ext cx="9437941" cy="767905"/>
+          </a:xfrm>
+          <a:prstGeom prst="rect">
+            <a:avLst/>
+          </a:prstGeom>
+          <a:solidFill>
+            <a:schemeClr val="tx1">
+              <a:lumMod val="95000"/>
+              <a:lumOff val="5000"/>
+            </a:schemeClr>
+          </a:solidFill>
+          <a:ln>
+            <a:noFill/>
+          </a:ln>
+        </p:spPr>
+        <p:style>
+          <a:lnRef idx="2">
+            <a:schemeClr val="accent1">
+              <a:shade val="15000"/>
+            </a:schemeClr>
+          </a:lnRef>
+          <a:fillRef idx="1">
+            <a:schemeClr val="accent1"/>
+          </a:fillRef>
+          <a:effectRef idx="0">
+            <a:schemeClr val="accent1"/>
+          </a:effectRef>
+          <a:fontRef idx="minor">
+            <a:schemeClr val="lt1"/>
+          </a:fontRef>
+        </p:style>
+        <p:txBody>
+          <a:bodyPr rtlCol="0" anchor="ctr"/>
+          <a:lstStyle/>
+          <a:p>
+            <a:pPr algn="ctr"/>
+            <a:endParaRPr lang="en-US"/>
+          </a:p>
+        </p:txBody>
+      </p:sp>
+      <p:grpSp>
+        <p:nvGrpSpPr>
+          <p:cNvPr id="87" name="Group 86">
+            <a:extLst>
+              <a:ext uri="{FF2B5EF4-FFF2-40B4-BE49-F238E27FC236}">
+                <a16:creationId xmlns:a16="http://schemas.microsoft.com/office/drawing/2014/main" id="{9794EF79-517A-BBD7-4464-900582030A14}"/>
+              </a:ext>
+            </a:extLst>
+          </p:cNvPr>
+          <p:cNvGrpSpPr/>
+          <p:nvPr/>
+        </p:nvGrpSpPr>
+        <p:grpSpPr>
+          <a:xfrm>
+            <a:off x="2503933" y="501121"/>
+            <a:ext cx="3815163" cy="428154"/>
+            <a:chOff x="3835702" y="-716109"/>
+            <a:chExt cx="3815163" cy="428154"/>
+          </a:xfrm>
+        </p:grpSpPr>
+        <p:sp>
+          <p:nvSpPr>
+            <p:cNvPr id="85" name="Rectangle 84">
+              <a:extLst>
+                <a:ext uri="{FF2B5EF4-FFF2-40B4-BE49-F238E27FC236}">
+                  <a16:creationId xmlns:a16="http://schemas.microsoft.com/office/drawing/2014/main" id="{500DDFAC-2A58-994D-3598-55B56E69A4D2}"/>
+                </a:ext>
+              </a:extLst>
+            </p:cNvPr>
+            <p:cNvSpPr/>
+            <p:nvPr/>
+          </p:nvSpPr>
+          <p:spPr>
+            <a:xfrm>
+              <a:off x="3835702" y="-716109"/>
+              <a:ext cx="2936710" cy="428154"/>
+            </a:xfrm>
+            <a:prstGeom prst="rect">
+              <a:avLst/>
+            </a:prstGeom>
+            <a:solidFill>
+              <a:schemeClr val="bg1"/>
+            </a:solidFill>
+            <a:ln>
+              <a:solidFill>
+                <a:schemeClr val="bg1"/>
+              </a:solidFill>
+            </a:ln>
+          </p:spPr>
+          <p:style>
+            <a:lnRef idx="2">
+              <a:schemeClr val="accent1">
+                <a:shade val="15000"/>
+              </a:schemeClr>
+            </a:lnRef>
+            <a:fillRef idx="1">
+              <a:schemeClr val="accent1"/>
+            </a:fillRef>
+            <a:effectRef idx="0">
+              <a:schemeClr val="accent1"/>
+            </a:effectRef>
+            <a:fontRef idx="minor">
+              <a:schemeClr val="lt1"/>
+            </a:fontRef>
+          </p:style>
+          <p:txBody>
+            <a:bodyPr rtlCol="0" anchor="ctr"/>
+            <a:lstStyle/>
+            <a:p>
+              <a:pPr algn="ctr"/>
+              <a:r>
+                <a:rPr lang="en-US" dirty="0">
+                  <a:solidFill>
+                    <a:schemeClr val="bg2">
+                      <a:lumMod val="50000"/>
+                    </a:schemeClr>
+                  </a:solidFill>
+                </a:rPr>
+                <a:t>Type to search </a:t>
+              </a:r>
+            </a:p>
+          </p:txBody>
+        </p:sp>
+        <p:sp>
+          <p:nvSpPr>
+            <p:cNvPr id="86" name="Rectangle 85">
+              <a:extLst>
+                <a:ext uri="{FF2B5EF4-FFF2-40B4-BE49-F238E27FC236}">
+                  <a16:creationId xmlns:a16="http://schemas.microsoft.com/office/drawing/2014/main" id="{09A6BEF1-7782-577B-07B0-C5B1F52246DE}"/>
+                </a:ext>
+              </a:extLst>
+            </p:cNvPr>
+            <p:cNvSpPr/>
+            <p:nvPr/>
+          </p:nvSpPr>
+          <p:spPr>
+            <a:xfrm>
+              <a:off x="6772412" y="-716109"/>
+              <a:ext cx="878453" cy="428154"/>
+            </a:xfrm>
+            <a:prstGeom prst="rect">
+              <a:avLst/>
+            </a:prstGeom>
+            <a:solidFill>
+              <a:schemeClr val="tx1">
+                <a:lumMod val="95000"/>
+                <a:lumOff val="5000"/>
+              </a:schemeClr>
+            </a:solidFill>
+            <a:ln>
+              <a:solidFill>
+                <a:schemeClr val="bg1"/>
+              </a:solidFill>
+            </a:ln>
+          </p:spPr>
+          <p:style>
+            <a:lnRef idx="2">
+              <a:schemeClr val="accent1">
+                <a:shade val="15000"/>
+              </a:schemeClr>
+            </a:lnRef>
+            <a:fillRef idx="1">
+              <a:schemeClr val="accent1"/>
+            </a:fillRef>
+            <a:effectRef idx="0">
+              <a:schemeClr val="accent1"/>
+            </a:effectRef>
+            <a:fontRef idx="minor">
+              <a:schemeClr val="lt1"/>
+            </a:fontRef>
+          </p:style>
+          <p:txBody>
+            <a:bodyPr rtlCol="0" anchor="ctr"/>
+            <a:lstStyle/>
+            <a:p>
+              <a:pPr algn="ctr"/>
+              <a:r>
+                <a:rPr lang="en-US" dirty="0"/>
+                <a:t>Search</a:t>
+              </a:r>
+            </a:p>
+          </p:txBody>
+        </p:sp>
+      </p:grpSp>
+      <p:sp>
+        <p:nvSpPr>
+          <p:cNvPr id="90" name="Oval 89">
+            <a:extLst>
+              <a:ext uri="{FF2B5EF4-FFF2-40B4-BE49-F238E27FC236}">
+                <a16:creationId xmlns:a16="http://schemas.microsoft.com/office/drawing/2014/main" id="{658F2744-171F-0A6C-7CF4-3A0CFFF61EB8}"/>
+              </a:ext>
+            </a:extLst>
+          </p:cNvPr>
+          <p:cNvSpPr/>
+          <p:nvPr/>
+        </p:nvSpPr>
+        <p:spPr>
+          <a:xfrm>
+            <a:off x="10862850" y="447139"/>
+            <a:ext cx="527632" cy="527632"/>
+          </a:xfrm>
+          <a:prstGeom prst="ellipse">
+            <a:avLst/>
+          </a:prstGeom>
+          <a:solidFill>
+            <a:schemeClr val="bg1"/>
+          </a:solidFill>
+        </p:spPr>
+        <p:style>
+          <a:lnRef idx="2">
+            <a:schemeClr val="accent1">
+              <a:shade val="15000"/>
+            </a:schemeClr>
+          </a:lnRef>
+          <a:fillRef idx="1">
+            <a:schemeClr val="accent1"/>
+          </a:fillRef>
+          <a:effectRef idx="0">
+            <a:schemeClr val="accent1"/>
+          </a:effectRef>
+          <a:fontRef idx="minor">
+            <a:schemeClr val="lt1"/>
+          </a:fontRef>
+        </p:style>
+        <p:txBody>
+          <a:bodyPr rtlCol="0" anchor="ctr"/>
+          <a:lstStyle/>
+          <a:p>
+            <a:pPr algn="ctr"/>
+            <a:endParaRPr lang="en-US"/>
+          </a:p>
+        </p:txBody>
+      </p:sp>
+      <p:grpSp>
+        <p:nvGrpSpPr>
+          <p:cNvPr id="118" name="Group 117">
+            <a:extLst>
+              <a:ext uri="{FF2B5EF4-FFF2-40B4-BE49-F238E27FC236}">
+                <a16:creationId xmlns:a16="http://schemas.microsoft.com/office/drawing/2014/main" id="{27E1AB9A-FC7D-7AC6-B83D-D9B4C77FA520}"/>
+              </a:ext>
+            </a:extLst>
+          </p:cNvPr>
+          <p:cNvGrpSpPr/>
+          <p:nvPr/>
+        </p:nvGrpSpPr>
+        <p:grpSpPr>
+          <a:xfrm>
+            <a:off x="2139696" y="1065886"/>
+            <a:ext cx="9427382" cy="857334"/>
+            <a:chOff x="2139696" y="1303905"/>
+            <a:chExt cx="9437941" cy="857334"/>
+          </a:xfrm>
+        </p:grpSpPr>
+        <p:sp>
+          <p:nvSpPr>
+            <p:cNvPr id="114" name="Rectangle 113">
+              <a:extLst>
+                <a:ext uri="{FF2B5EF4-FFF2-40B4-BE49-F238E27FC236}">
+                  <a16:creationId xmlns:a16="http://schemas.microsoft.com/office/drawing/2014/main" id="{B3051C61-ACCC-26BA-ECF4-594E8240D666}"/>
+                </a:ext>
+              </a:extLst>
+            </p:cNvPr>
+            <p:cNvSpPr/>
+            <p:nvPr/>
+          </p:nvSpPr>
+          <p:spPr>
+            <a:xfrm>
+              <a:off x="2139696" y="1303905"/>
+              <a:ext cx="9437941" cy="857334"/>
+            </a:xfrm>
+            <a:prstGeom prst="rect">
+              <a:avLst/>
+            </a:prstGeom>
+            <a:solidFill>
+              <a:schemeClr val="bg2">
+                <a:lumMod val="10000"/>
+              </a:schemeClr>
+            </a:solidFill>
+            <a:ln w="3175">
+              <a:solidFill>
+                <a:schemeClr val="tx1">
+                  <a:lumMod val="85000"/>
+                  <a:lumOff val="15000"/>
+                </a:schemeClr>
+              </a:solidFill>
+            </a:ln>
+          </p:spPr>
+          <p:style>
+            <a:lnRef idx="2">
+              <a:schemeClr val="accent1">
+                <a:shade val="50000"/>
+              </a:schemeClr>
+            </a:lnRef>
+            <a:fillRef idx="1">
+              <a:schemeClr val="accent1"/>
+            </a:fillRef>
+            <a:effectRef idx="0">
+              <a:schemeClr val="accent1"/>
+            </a:effectRef>
+            <a:fontRef idx="minor">
+              <a:schemeClr val="lt1"/>
+            </a:fontRef>
+          </p:style>
+          <p:txBody>
+            <a:bodyPr rtlCol="0" anchor="ctr"/>
+            <a:lstStyle/>
+            <a:p>
+              <a:pPr algn="ctr"/>
+              <a:endParaRPr lang="en-US" dirty="0"/>
+            </a:p>
+          </p:txBody>
+        </p:sp>
+        <p:sp>
+          <p:nvSpPr>
+            <p:cNvPr id="116" name="TextBox 115">
+              <a:extLst>
+                <a:ext uri="{FF2B5EF4-FFF2-40B4-BE49-F238E27FC236}">
+                  <a16:creationId xmlns:a16="http://schemas.microsoft.com/office/drawing/2014/main" id="{B7252143-CF66-7F8C-FC0A-FBD198645B15}"/>
+                </a:ext>
+              </a:extLst>
+            </p:cNvPr>
+            <p:cNvSpPr txBox="1"/>
+            <p:nvPr/>
+          </p:nvSpPr>
+          <p:spPr>
+            <a:xfrm>
+              <a:off x="3191282" y="1460170"/>
+              <a:ext cx="1656223" cy="276999"/>
+            </a:xfrm>
+            <a:prstGeom prst="rect">
+              <a:avLst/>
+            </a:prstGeom>
+            <a:solidFill>
+              <a:schemeClr val="bg2">
+                <a:lumMod val="10000"/>
+              </a:schemeClr>
+            </a:solidFill>
+            <a:ln w="3175">
+              <a:noFill/>
+            </a:ln>
+          </p:spPr>
+          <p:txBody>
+            <a:bodyPr wrap="none" rtlCol="0">
+              <a:spAutoFit/>
+            </a:bodyPr>
+            <a:lstStyle/>
+            <a:p>
+              <a:r>
+                <a:rPr lang="en-US" sz="1200" b="1" dirty="0">
+                  <a:solidFill>
+                    <a:schemeClr val="bg1"/>
+                  </a:solidFill>
+                  <a:latin typeface="Arial" panose="020B0604020202020204" pitchFamily="34" charset="0"/>
+                  <a:cs typeface="Arial" panose="020B0604020202020204" pitchFamily="34" charset="0"/>
+                </a:rPr>
+                <a:t>Post Malone - Circle</a:t>
+              </a:r>
+            </a:p>
+          </p:txBody>
+        </p:sp>
+        <p:sp>
+          <p:nvSpPr>
+            <p:cNvPr id="117" name="TextBox 116">
+              <a:extLst>
+                <a:ext uri="{FF2B5EF4-FFF2-40B4-BE49-F238E27FC236}">
+                  <a16:creationId xmlns:a16="http://schemas.microsoft.com/office/drawing/2014/main" id="{6F0EA386-298D-FF7C-7ABD-5F0E68D1FCCB}"/>
+                </a:ext>
+              </a:extLst>
+            </p:cNvPr>
+            <p:cNvSpPr txBox="1"/>
+            <p:nvPr/>
+          </p:nvSpPr>
+          <p:spPr>
+            <a:xfrm>
+              <a:off x="3191282" y="1741225"/>
+              <a:ext cx="928459" cy="215444"/>
+            </a:xfrm>
+            <a:prstGeom prst="rect">
+              <a:avLst/>
+            </a:prstGeom>
+            <a:solidFill>
+              <a:schemeClr val="bg2">
+                <a:lumMod val="10000"/>
+              </a:schemeClr>
+            </a:solidFill>
+            <a:ln w="3175">
+              <a:noFill/>
+            </a:ln>
+          </p:spPr>
+          <p:txBody>
+            <a:bodyPr wrap="none" rtlCol="0">
+              <a:spAutoFit/>
+            </a:bodyPr>
+            <a:lstStyle/>
+            <a:p>
+              <a:r>
+                <a:rPr lang="en-US" sz="800" b="1" dirty="0">
+                  <a:solidFill>
+                    <a:schemeClr val="bg1">
+                      <a:lumMod val="75000"/>
+                    </a:schemeClr>
+                  </a:solidFill>
+                  <a:latin typeface="Arial" panose="020B0604020202020204" pitchFamily="34" charset="0"/>
+                  <a:cs typeface="Arial" panose="020B0604020202020204" pitchFamily="34" charset="0"/>
+                </a:rPr>
+                <a:t>Duration – 3:36</a:t>
+              </a:r>
+            </a:p>
+          </p:txBody>
+        </p:sp>
+        <p:pic>
+          <p:nvPicPr>
+            <p:cNvPr id="112" name="Picture 111">
+              <a:extLst>
+                <a:ext uri="{FF2B5EF4-FFF2-40B4-BE49-F238E27FC236}">
+                  <a16:creationId xmlns:a16="http://schemas.microsoft.com/office/drawing/2014/main" id="{D14186E4-F159-ADE2-64FA-9A67737EC4F0}"/>
+                </a:ext>
+              </a:extLst>
+            </p:cNvPr>
+            <p:cNvPicPr>
+              <a:picLocks noChangeAspect="1"/>
+            </p:cNvPicPr>
+            <p:nvPr/>
+          </p:nvPicPr>
+          <p:blipFill>
+            <a:blip r:embed="rId2">
+              <a:extLst>
+                <a:ext uri="{28A0092B-C50C-407E-A947-70E740481C1C}">
+                  <a14:useLocalDpi xmlns:a14="http://schemas.microsoft.com/office/drawing/2010/main" val="0"/>
+                </a:ext>
+              </a:extLst>
+            </a:blip>
+            <a:stretch>
+              <a:fillRect/>
+            </a:stretch>
+          </p:blipFill>
+          <p:spPr>
+            <a:xfrm>
+              <a:off x="2510975" y="1494210"/>
+              <a:ext cx="476724" cy="476724"/>
+            </a:xfrm>
+            <a:prstGeom prst="roundRect">
+              <a:avLst>
+                <a:gd name="adj" fmla="val 16667"/>
+              </a:avLst>
+            </a:prstGeom>
+            <a:ln>
+              <a:noFill/>
+            </a:ln>
+            <a:effectLst>
+              <a:outerShdw blurRad="76200" dist="38100" dir="7800000" algn="tl" rotWithShape="0">
+                <a:srgbClr val="000000">
+                  <a:alpha val="40000"/>
+                </a:srgbClr>
+              </a:outerShdw>
+            </a:effectLst>
+            <a:scene3d>
+              <a:camera prst="orthographicFront"/>
+              <a:lightRig rig="contrasting" dir="t">
+                <a:rot lat="0" lon="0" rev="4200000"/>
+              </a:lightRig>
+            </a:scene3d>
+            <a:sp3d prstMaterial="plastic">
+              <a:bevelT w="381000" h="114300" prst="relaxedInset"/>
+              <a:contourClr>
+                <a:srgbClr val="969696"/>
+              </a:contourClr>
+            </a:sp3d>
+          </p:spPr>
+        </p:pic>
+      </p:grpSp>
+      <p:grpSp>
+        <p:nvGrpSpPr>
+          <p:cNvPr id="119" name="Group 118">
+            <a:extLst>
+              <a:ext uri="{FF2B5EF4-FFF2-40B4-BE49-F238E27FC236}">
+                <a16:creationId xmlns:a16="http://schemas.microsoft.com/office/drawing/2014/main" id="{B398DF8B-E9EC-09E0-9DC5-75D85B320ED4}"/>
+              </a:ext>
+            </a:extLst>
+          </p:cNvPr>
+          <p:cNvGrpSpPr/>
+          <p:nvPr/>
+        </p:nvGrpSpPr>
+        <p:grpSpPr>
+          <a:xfrm>
+            <a:off x="2139694" y="1867776"/>
+            <a:ext cx="9427383" cy="857334"/>
+            <a:chOff x="2139696" y="1303905"/>
+            <a:chExt cx="9437941" cy="857334"/>
+          </a:xfrm>
+        </p:grpSpPr>
+        <p:sp>
+          <p:nvSpPr>
+            <p:cNvPr id="120" name="Rectangle 119">
+              <a:extLst>
+                <a:ext uri="{FF2B5EF4-FFF2-40B4-BE49-F238E27FC236}">
+                  <a16:creationId xmlns:a16="http://schemas.microsoft.com/office/drawing/2014/main" id="{C51B8975-75FE-EF7F-3521-14602C52E90A}"/>
+                </a:ext>
+              </a:extLst>
+            </p:cNvPr>
+            <p:cNvSpPr/>
+            <p:nvPr/>
+          </p:nvSpPr>
+          <p:spPr>
+            <a:xfrm>
+              <a:off x="2139696" y="1303905"/>
+              <a:ext cx="9437941" cy="857334"/>
+            </a:xfrm>
+            <a:prstGeom prst="rect">
+              <a:avLst/>
+            </a:prstGeom>
+            <a:solidFill>
+              <a:schemeClr val="bg2">
+                <a:lumMod val="10000"/>
+              </a:schemeClr>
+            </a:solidFill>
+            <a:ln w="3175">
+              <a:solidFill>
+                <a:schemeClr val="tx1">
+                  <a:lumMod val="85000"/>
+                  <a:lumOff val="15000"/>
+                </a:schemeClr>
+              </a:solidFill>
+            </a:ln>
+          </p:spPr>
+          <p:style>
+            <a:lnRef idx="2">
+              <a:schemeClr val="accent1">
+                <a:shade val="50000"/>
+              </a:schemeClr>
+            </a:lnRef>
+            <a:fillRef idx="1">
+              <a:schemeClr val="accent1"/>
+            </a:fillRef>
+            <a:effectRef idx="0">
+              <a:schemeClr val="accent1"/>
+            </a:effectRef>
+            <a:fontRef idx="minor">
+              <a:schemeClr val="lt1"/>
+            </a:fontRef>
+          </p:style>
+          <p:txBody>
+            <a:bodyPr rtlCol="0" anchor="ctr"/>
+            <a:lstStyle/>
+            <a:p>
+              <a:pPr algn="ctr"/>
+              <a:endParaRPr lang="en-US" dirty="0"/>
+            </a:p>
+          </p:txBody>
+        </p:sp>
+        <p:sp>
+          <p:nvSpPr>
+            <p:cNvPr id="121" name="TextBox 120">
+              <a:extLst>
+                <a:ext uri="{FF2B5EF4-FFF2-40B4-BE49-F238E27FC236}">
+                  <a16:creationId xmlns:a16="http://schemas.microsoft.com/office/drawing/2014/main" id="{C9A656FE-6E0F-7B68-6C4A-675147E7752F}"/>
+                </a:ext>
+              </a:extLst>
+            </p:cNvPr>
+            <p:cNvSpPr txBox="1"/>
+            <p:nvPr/>
+          </p:nvSpPr>
+          <p:spPr>
+            <a:xfrm>
+              <a:off x="3191282" y="1460170"/>
+              <a:ext cx="1656223" cy="276999"/>
+            </a:xfrm>
+            <a:prstGeom prst="rect">
+              <a:avLst/>
+            </a:prstGeom>
+            <a:solidFill>
+              <a:schemeClr val="bg2">
+                <a:lumMod val="10000"/>
+              </a:schemeClr>
+            </a:solidFill>
+            <a:ln w="3175">
+              <a:noFill/>
+            </a:ln>
+          </p:spPr>
+          <p:txBody>
+            <a:bodyPr wrap="none" rtlCol="0">
+              <a:spAutoFit/>
+            </a:bodyPr>
+            <a:lstStyle/>
+            <a:p>
+              <a:r>
+                <a:rPr lang="en-US" sz="1200" b="1" dirty="0">
+                  <a:solidFill>
+                    <a:schemeClr val="bg1"/>
+                  </a:solidFill>
+                  <a:latin typeface="Arial" panose="020B0604020202020204" pitchFamily="34" charset="0"/>
+                  <a:cs typeface="Arial" panose="020B0604020202020204" pitchFamily="34" charset="0"/>
+                </a:rPr>
+                <a:t>Post Malone - Circle</a:t>
+              </a:r>
+            </a:p>
+          </p:txBody>
+        </p:sp>
+        <p:sp>
+          <p:nvSpPr>
+            <p:cNvPr id="122" name="TextBox 121">
+              <a:extLst>
+                <a:ext uri="{FF2B5EF4-FFF2-40B4-BE49-F238E27FC236}">
+                  <a16:creationId xmlns:a16="http://schemas.microsoft.com/office/drawing/2014/main" id="{0665A999-C867-8878-C71B-FA602D26C427}"/>
+                </a:ext>
+              </a:extLst>
+            </p:cNvPr>
+            <p:cNvSpPr txBox="1"/>
+            <p:nvPr/>
+          </p:nvSpPr>
+          <p:spPr>
+            <a:xfrm>
+              <a:off x="3191282" y="1741225"/>
+              <a:ext cx="928459" cy="215444"/>
+            </a:xfrm>
+            <a:prstGeom prst="rect">
+              <a:avLst/>
+            </a:prstGeom>
+            <a:solidFill>
+              <a:schemeClr val="bg2">
+                <a:lumMod val="10000"/>
+              </a:schemeClr>
+            </a:solidFill>
+            <a:ln w="3175">
+              <a:noFill/>
+            </a:ln>
+          </p:spPr>
+          <p:txBody>
+            <a:bodyPr wrap="none" rtlCol="0">
+              <a:spAutoFit/>
+            </a:bodyPr>
+            <a:lstStyle/>
+            <a:p>
+              <a:r>
+                <a:rPr lang="en-US" sz="800" b="1" dirty="0">
+                  <a:solidFill>
+                    <a:schemeClr val="bg1">
+                      <a:lumMod val="75000"/>
+                    </a:schemeClr>
+                  </a:solidFill>
+                  <a:latin typeface="Arial" panose="020B0604020202020204" pitchFamily="34" charset="0"/>
+                  <a:cs typeface="Arial" panose="020B0604020202020204" pitchFamily="34" charset="0"/>
+                </a:rPr>
+                <a:t>Duration – 3:36</a:t>
+              </a:r>
+            </a:p>
+          </p:txBody>
+        </p:sp>
+        <p:pic>
+          <p:nvPicPr>
+            <p:cNvPr id="123" name="Picture 122">
+              <a:extLst>
+                <a:ext uri="{FF2B5EF4-FFF2-40B4-BE49-F238E27FC236}">
+                  <a16:creationId xmlns:a16="http://schemas.microsoft.com/office/drawing/2014/main" id="{A8D2CB0C-0A75-3A01-CE62-BF4EBCFA770D}"/>
+                </a:ext>
+              </a:extLst>
+            </p:cNvPr>
+            <p:cNvPicPr>
+              <a:picLocks noChangeAspect="1"/>
+            </p:cNvPicPr>
+            <p:nvPr/>
+          </p:nvPicPr>
+          <p:blipFill>
+            <a:blip r:embed="rId2">
+              <a:extLst>
+                <a:ext uri="{28A0092B-C50C-407E-A947-70E740481C1C}">
+                  <a14:useLocalDpi xmlns:a14="http://schemas.microsoft.com/office/drawing/2010/main" val="0"/>
+                </a:ext>
+              </a:extLst>
+            </a:blip>
+            <a:stretch>
+              <a:fillRect/>
+            </a:stretch>
+          </p:blipFill>
+          <p:spPr>
+            <a:xfrm>
+              <a:off x="2510975" y="1494210"/>
+              <a:ext cx="476724" cy="476724"/>
+            </a:xfrm>
+            <a:prstGeom prst="roundRect">
+              <a:avLst>
+                <a:gd name="adj" fmla="val 16667"/>
+              </a:avLst>
+            </a:prstGeom>
+            <a:ln>
+              <a:noFill/>
+            </a:ln>
+            <a:effectLst>
+              <a:outerShdw blurRad="76200" dist="38100" dir="7800000" algn="tl" rotWithShape="0">
+                <a:srgbClr val="000000">
+                  <a:alpha val="40000"/>
+                </a:srgbClr>
+              </a:outerShdw>
+            </a:effectLst>
+            <a:scene3d>
+              <a:camera prst="orthographicFront"/>
+              <a:lightRig rig="contrasting" dir="t">
+                <a:rot lat="0" lon="0" rev="4200000"/>
+              </a:lightRig>
+            </a:scene3d>
+            <a:sp3d prstMaterial="plastic">
+              <a:bevelT w="381000" h="114300" prst="relaxedInset"/>
+              <a:contourClr>
+                <a:srgbClr val="969696"/>
+              </a:contourClr>
+            </a:sp3d>
+          </p:spPr>
+        </p:pic>
+      </p:grpSp>
+      <p:grpSp>
+        <p:nvGrpSpPr>
+          <p:cNvPr id="124" name="Group 123">
+            <a:extLst>
+              <a:ext uri="{FF2B5EF4-FFF2-40B4-BE49-F238E27FC236}">
+                <a16:creationId xmlns:a16="http://schemas.microsoft.com/office/drawing/2014/main" id="{9EFAA006-9E73-1A62-E88A-9C2C8B6D6283}"/>
+              </a:ext>
+            </a:extLst>
+          </p:cNvPr>
+          <p:cNvGrpSpPr/>
+          <p:nvPr/>
+        </p:nvGrpSpPr>
+        <p:grpSpPr>
+          <a:xfrm>
+            <a:off x="2136176" y="2686854"/>
+            <a:ext cx="9430901" cy="857334"/>
+            <a:chOff x="2139696" y="1303905"/>
+            <a:chExt cx="9437941" cy="857334"/>
+          </a:xfrm>
+        </p:grpSpPr>
+        <p:sp>
+          <p:nvSpPr>
+            <p:cNvPr id="125" name="Rectangle 124">
+              <a:extLst>
+                <a:ext uri="{FF2B5EF4-FFF2-40B4-BE49-F238E27FC236}">
+                  <a16:creationId xmlns:a16="http://schemas.microsoft.com/office/drawing/2014/main" id="{B30B8E58-87C4-9A1E-4041-0B374CB97E7C}"/>
+                </a:ext>
+              </a:extLst>
+            </p:cNvPr>
+            <p:cNvSpPr/>
+            <p:nvPr/>
+          </p:nvSpPr>
+          <p:spPr>
+            <a:xfrm>
+              <a:off x="2139696" y="1303905"/>
+              <a:ext cx="9437941" cy="857334"/>
+            </a:xfrm>
+            <a:prstGeom prst="rect">
+              <a:avLst/>
+            </a:prstGeom>
+            <a:solidFill>
+              <a:schemeClr val="bg2">
+                <a:lumMod val="10000"/>
+              </a:schemeClr>
+            </a:solidFill>
+            <a:ln w="3175">
+              <a:solidFill>
+                <a:schemeClr val="tx1">
+                  <a:lumMod val="85000"/>
+                  <a:lumOff val="15000"/>
+                </a:schemeClr>
+              </a:solidFill>
+            </a:ln>
+          </p:spPr>
+          <p:style>
+            <a:lnRef idx="2">
+              <a:schemeClr val="accent1">
+                <a:shade val="50000"/>
+              </a:schemeClr>
+            </a:lnRef>
+            <a:fillRef idx="1">
+              <a:schemeClr val="accent1"/>
+            </a:fillRef>
+            <a:effectRef idx="0">
+              <a:schemeClr val="accent1"/>
+            </a:effectRef>
+            <a:fontRef idx="minor">
+              <a:schemeClr val="lt1"/>
+            </a:fontRef>
+          </p:style>
+          <p:txBody>
+            <a:bodyPr rtlCol="0" anchor="ctr"/>
+            <a:lstStyle/>
+            <a:p>
+              <a:pPr algn="ctr"/>
+              <a:endParaRPr lang="en-US" dirty="0"/>
+            </a:p>
+          </p:txBody>
+        </p:sp>
+        <p:sp>
+          <p:nvSpPr>
+            <p:cNvPr id="126" name="TextBox 125">
+              <a:extLst>
+                <a:ext uri="{FF2B5EF4-FFF2-40B4-BE49-F238E27FC236}">
+                  <a16:creationId xmlns:a16="http://schemas.microsoft.com/office/drawing/2014/main" id="{AF75D9EF-7A4F-8B25-2C03-0AE0358AE999}"/>
+                </a:ext>
+              </a:extLst>
+            </p:cNvPr>
+            <p:cNvSpPr txBox="1"/>
+            <p:nvPr/>
+          </p:nvSpPr>
+          <p:spPr>
+            <a:xfrm>
+              <a:off x="3191282" y="1460170"/>
+              <a:ext cx="1656223" cy="276999"/>
+            </a:xfrm>
+            <a:prstGeom prst="rect">
+              <a:avLst/>
+            </a:prstGeom>
+            <a:solidFill>
+              <a:schemeClr val="bg2">
+                <a:lumMod val="10000"/>
+              </a:schemeClr>
+            </a:solidFill>
+            <a:ln w="3175">
+              <a:noFill/>
+            </a:ln>
+          </p:spPr>
+          <p:txBody>
+            <a:bodyPr wrap="none" rtlCol="0">
+              <a:spAutoFit/>
+            </a:bodyPr>
+            <a:lstStyle/>
+            <a:p>
+              <a:r>
+                <a:rPr lang="en-US" sz="1200" b="1" dirty="0">
+                  <a:solidFill>
+                    <a:schemeClr val="bg1"/>
+                  </a:solidFill>
+                  <a:latin typeface="Arial" panose="020B0604020202020204" pitchFamily="34" charset="0"/>
+                  <a:cs typeface="Arial" panose="020B0604020202020204" pitchFamily="34" charset="0"/>
+                </a:rPr>
+                <a:t>Post Malone - Circle</a:t>
+              </a:r>
+            </a:p>
+          </p:txBody>
+        </p:sp>
+        <p:sp>
+          <p:nvSpPr>
+            <p:cNvPr id="127" name="TextBox 126">
+              <a:extLst>
+                <a:ext uri="{FF2B5EF4-FFF2-40B4-BE49-F238E27FC236}">
+                  <a16:creationId xmlns:a16="http://schemas.microsoft.com/office/drawing/2014/main" id="{668DB5D1-8A7A-5C7F-DE9D-79D69EB4738E}"/>
+                </a:ext>
+              </a:extLst>
+            </p:cNvPr>
+            <p:cNvSpPr txBox="1"/>
+            <p:nvPr/>
+          </p:nvSpPr>
+          <p:spPr>
+            <a:xfrm>
+              <a:off x="3191282" y="1741225"/>
+              <a:ext cx="928459" cy="215444"/>
+            </a:xfrm>
+            <a:prstGeom prst="rect">
+              <a:avLst/>
+            </a:prstGeom>
+            <a:solidFill>
+              <a:schemeClr val="bg2">
+                <a:lumMod val="10000"/>
+              </a:schemeClr>
+            </a:solidFill>
+            <a:ln w="3175">
+              <a:noFill/>
+            </a:ln>
+          </p:spPr>
+          <p:txBody>
+            <a:bodyPr wrap="none" rtlCol="0">
+              <a:spAutoFit/>
+            </a:bodyPr>
+            <a:lstStyle/>
+            <a:p>
+              <a:r>
+                <a:rPr lang="en-US" sz="800" b="1" dirty="0">
+                  <a:solidFill>
+                    <a:schemeClr val="bg1">
+                      <a:lumMod val="75000"/>
+                    </a:schemeClr>
+                  </a:solidFill>
+                  <a:latin typeface="Arial" panose="020B0604020202020204" pitchFamily="34" charset="0"/>
+                  <a:cs typeface="Arial" panose="020B0604020202020204" pitchFamily="34" charset="0"/>
+                </a:rPr>
+                <a:t>Duration – 3:36</a:t>
+              </a:r>
+            </a:p>
+          </p:txBody>
+        </p:sp>
+        <p:pic>
+          <p:nvPicPr>
+            <p:cNvPr id="128" name="Picture 127">
+              <a:extLst>
+                <a:ext uri="{FF2B5EF4-FFF2-40B4-BE49-F238E27FC236}">
+                  <a16:creationId xmlns:a16="http://schemas.microsoft.com/office/drawing/2014/main" id="{CEEEF2BF-C2D9-415D-CD82-E834B4B5323A}"/>
+                </a:ext>
+              </a:extLst>
+            </p:cNvPr>
+            <p:cNvPicPr>
+              <a:picLocks noChangeAspect="1"/>
+            </p:cNvPicPr>
+            <p:nvPr/>
+          </p:nvPicPr>
+          <p:blipFill>
+            <a:blip r:embed="rId2">
+              <a:extLst>
+                <a:ext uri="{28A0092B-C50C-407E-A947-70E740481C1C}">
+                  <a14:useLocalDpi xmlns:a14="http://schemas.microsoft.com/office/drawing/2010/main" val="0"/>
+                </a:ext>
+              </a:extLst>
+            </a:blip>
+            <a:stretch>
+              <a:fillRect/>
+            </a:stretch>
+          </p:blipFill>
+          <p:spPr>
+            <a:xfrm>
+              <a:off x="2510975" y="1494210"/>
+              <a:ext cx="476724" cy="476724"/>
+            </a:xfrm>
+            <a:prstGeom prst="roundRect">
+              <a:avLst>
+                <a:gd name="adj" fmla="val 16667"/>
+              </a:avLst>
+            </a:prstGeom>
+            <a:ln>
+              <a:noFill/>
+            </a:ln>
+            <a:effectLst>
+              <a:outerShdw blurRad="76200" dist="38100" dir="7800000" algn="tl" rotWithShape="0">
+                <a:srgbClr val="000000">
+                  <a:alpha val="40000"/>
+                </a:srgbClr>
+              </a:outerShdw>
+            </a:effectLst>
+            <a:scene3d>
+              <a:camera prst="orthographicFront"/>
+              <a:lightRig rig="contrasting" dir="t">
+                <a:rot lat="0" lon="0" rev="4200000"/>
+              </a:lightRig>
+            </a:scene3d>
+            <a:sp3d prstMaterial="plastic">
+              <a:bevelT w="381000" h="114300" prst="relaxedInset"/>
+              <a:contourClr>
+                <a:srgbClr val="969696"/>
+              </a:contourClr>
+            </a:sp3d>
+          </p:spPr>
+        </p:pic>
+      </p:grpSp>
+      <p:grpSp>
+        <p:nvGrpSpPr>
+          <p:cNvPr id="129" name="Group 128">
+            <a:extLst>
+              <a:ext uri="{FF2B5EF4-FFF2-40B4-BE49-F238E27FC236}">
+                <a16:creationId xmlns:a16="http://schemas.microsoft.com/office/drawing/2014/main" id="{1C46A09C-E85C-88AF-A4AF-F61E0A3E4A3D}"/>
+              </a:ext>
+            </a:extLst>
+          </p:cNvPr>
+          <p:cNvGrpSpPr/>
+          <p:nvPr/>
+        </p:nvGrpSpPr>
+        <p:grpSpPr>
+          <a:xfrm>
+            <a:off x="2139694" y="3534346"/>
+            <a:ext cx="9430901" cy="857334"/>
+            <a:chOff x="2139696" y="1303905"/>
+            <a:chExt cx="9437941" cy="857334"/>
+          </a:xfrm>
+        </p:grpSpPr>
+        <p:sp>
+          <p:nvSpPr>
+            <p:cNvPr id="130" name="Rectangle 129">
+              <a:extLst>
+                <a:ext uri="{FF2B5EF4-FFF2-40B4-BE49-F238E27FC236}">
+                  <a16:creationId xmlns:a16="http://schemas.microsoft.com/office/drawing/2014/main" id="{230519C9-62EB-1963-0B06-5D999C12653A}"/>
+                </a:ext>
+              </a:extLst>
+            </p:cNvPr>
+            <p:cNvSpPr/>
+            <p:nvPr/>
+          </p:nvSpPr>
+          <p:spPr>
+            <a:xfrm>
+              <a:off x="2139696" y="1303905"/>
+              <a:ext cx="9437941" cy="857334"/>
+            </a:xfrm>
+            <a:prstGeom prst="rect">
+              <a:avLst/>
+            </a:prstGeom>
+            <a:solidFill>
+              <a:schemeClr val="bg2">
+                <a:lumMod val="10000"/>
+              </a:schemeClr>
+            </a:solidFill>
+            <a:ln w="3175">
+              <a:solidFill>
+                <a:schemeClr val="tx1">
+                  <a:lumMod val="85000"/>
+                  <a:lumOff val="15000"/>
+                </a:schemeClr>
+              </a:solidFill>
+            </a:ln>
+          </p:spPr>
+          <p:style>
+            <a:lnRef idx="2">
+              <a:schemeClr val="accent1">
+                <a:shade val="50000"/>
+              </a:schemeClr>
+            </a:lnRef>
+            <a:fillRef idx="1">
+              <a:schemeClr val="accent1"/>
+            </a:fillRef>
+            <a:effectRef idx="0">
+              <a:schemeClr val="accent1"/>
+            </a:effectRef>
+            <a:fontRef idx="minor">
+              <a:schemeClr val="lt1"/>
+            </a:fontRef>
+          </p:style>
+          <p:txBody>
+            <a:bodyPr rtlCol="0" anchor="ctr"/>
+            <a:lstStyle/>
+            <a:p>
+              <a:pPr algn="ctr"/>
+              <a:endParaRPr lang="en-US" dirty="0"/>
+            </a:p>
+          </p:txBody>
+        </p:sp>
+        <p:sp>
+          <p:nvSpPr>
+            <p:cNvPr id="131" name="TextBox 130">
+              <a:extLst>
+                <a:ext uri="{FF2B5EF4-FFF2-40B4-BE49-F238E27FC236}">
+                  <a16:creationId xmlns:a16="http://schemas.microsoft.com/office/drawing/2014/main" id="{1B3B8D34-E223-CDC2-41DE-FD6277CCD3A7}"/>
+                </a:ext>
+              </a:extLst>
+            </p:cNvPr>
+            <p:cNvSpPr txBox="1"/>
+            <p:nvPr/>
+          </p:nvSpPr>
+          <p:spPr>
+            <a:xfrm>
+              <a:off x="3191282" y="1460170"/>
+              <a:ext cx="1656223" cy="276999"/>
+            </a:xfrm>
+            <a:prstGeom prst="rect">
+              <a:avLst/>
+            </a:prstGeom>
+            <a:solidFill>
+              <a:schemeClr val="bg2">
+                <a:lumMod val="10000"/>
+              </a:schemeClr>
+            </a:solidFill>
+            <a:ln w="3175">
+              <a:noFill/>
+            </a:ln>
+          </p:spPr>
+          <p:txBody>
+            <a:bodyPr wrap="none" rtlCol="0">
+              <a:spAutoFit/>
+            </a:bodyPr>
+            <a:lstStyle/>
+            <a:p>
+              <a:r>
+                <a:rPr lang="en-US" sz="1200" b="1" dirty="0">
+                  <a:solidFill>
+                    <a:schemeClr val="bg1"/>
+                  </a:solidFill>
+                  <a:latin typeface="Arial" panose="020B0604020202020204" pitchFamily="34" charset="0"/>
+                  <a:cs typeface="Arial" panose="020B0604020202020204" pitchFamily="34" charset="0"/>
+                </a:rPr>
+                <a:t>Post Malone - Circle</a:t>
+              </a:r>
+            </a:p>
+          </p:txBody>
+        </p:sp>
+        <p:sp>
+          <p:nvSpPr>
+            <p:cNvPr id="132" name="TextBox 131">
+              <a:extLst>
+                <a:ext uri="{FF2B5EF4-FFF2-40B4-BE49-F238E27FC236}">
+                  <a16:creationId xmlns:a16="http://schemas.microsoft.com/office/drawing/2014/main" id="{7A291E19-F121-5FBE-3F0B-118271A3402E}"/>
+                </a:ext>
+              </a:extLst>
+            </p:cNvPr>
+            <p:cNvSpPr txBox="1"/>
+            <p:nvPr/>
+          </p:nvSpPr>
+          <p:spPr>
+            <a:xfrm>
+              <a:off x="3191282" y="1741225"/>
+              <a:ext cx="928459" cy="215444"/>
+            </a:xfrm>
+            <a:prstGeom prst="rect">
+              <a:avLst/>
+            </a:prstGeom>
+            <a:solidFill>
+              <a:schemeClr val="bg2">
+                <a:lumMod val="10000"/>
+              </a:schemeClr>
+            </a:solidFill>
+            <a:ln w="3175">
+              <a:noFill/>
+            </a:ln>
+          </p:spPr>
+          <p:txBody>
+            <a:bodyPr wrap="none" rtlCol="0">
+              <a:spAutoFit/>
+            </a:bodyPr>
+            <a:lstStyle/>
+            <a:p>
+              <a:r>
+                <a:rPr lang="en-US" sz="800" b="1" dirty="0">
+                  <a:solidFill>
+                    <a:schemeClr val="bg1">
+                      <a:lumMod val="75000"/>
+                    </a:schemeClr>
+                  </a:solidFill>
+                  <a:latin typeface="Arial" panose="020B0604020202020204" pitchFamily="34" charset="0"/>
+                  <a:cs typeface="Arial" panose="020B0604020202020204" pitchFamily="34" charset="0"/>
+                </a:rPr>
+                <a:t>Duration – 3:36</a:t>
+              </a:r>
+            </a:p>
+          </p:txBody>
+        </p:sp>
+        <p:pic>
+          <p:nvPicPr>
+            <p:cNvPr id="133" name="Picture 132">
+              <a:extLst>
+                <a:ext uri="{FF2B5EF4-FFF2-40B4-BE49-F238E27FC236}">
+                  <a16:creationId xmlns:a16="http://schemas.microsoft.com/office/drawing/2014/main" id="{9F46DC41-EE76-B1B9-B9A4-A83D0C3DB7CB}"/>
+                </a:ext>
+              </a:extLst>
+            </p:cNvPr>
+            <p:cNvPicPr>
+              <a:picLocks noChangeAspect="1"/>
+            </p:cNvPicPr>
+            <p:nvPr/>
+          </p:nvPicPr>
+          <p:blipFill>
+            <a:blip r:embed="rId2">
+              <a:extLst>
+                <a:ext uri="{28A0092B-C50C-407E-A947-70E740481C1C}">
+                  <a14:useLocalDpi xmlns:a14="http://schemas.microsoft.com/office/drawing/2010/main" val="0"/>
+                </a:ext>
+              </a:extLst>
+            </a:blip>
+            <a:stretch>
+              <a:fillRect/>
+            </a:stretch>
+          </p:blipFill>
+          <p:spPr>
+            <a:xfrm>
+              <a:off x="2510975" y="1494210"/>
+              <a:ext cx="476724" cy="476724"/>
+            </a:xfrm>
+            <a:prstGeom prst="roundRect">
+              <a:avLst>
+                <a:gd name="adj" fmla="val 16667"/>
+              </a:avLst>
+            </a:prstGeom>
+            <a:ln>
+              <a:noFill/>
+            </a:ln>
+            <a:effectLst>
+              <a:outerShdw blurRad="76200" dist="38100" dir="7800000" algn="tl" rotWithShape="0">
+                <a:srgbClr val="000000">
+                  <a:alpha val="40000"/>
+                </a:srgbClr>
+              </a:outerShdw>
+            </a:effectLst>
+            <a:scene3d>
+              <a:camera prst="orthographicFront"/>
+              <a:lightRig rig="contrasting" dir="t">
+                <a:rot lat="0" lon="0" rev="4200000"/>
+              </a:lightRig>
+            </a:scene3d>
+            <a:sp3d prstMaterial="plastic">
+              <a:bevelT w="381000" h="114300" prst="relaxedInset"/>
+              <a:contourClr>
+                <a:srgbClr val="969696"/>
+              </a:contourClr>
+            </a:sp3d>
+          </p:spPr>
+        </p:pic>
+      </p:grpSp>
+      <p:grpSp>
+        <p:nvGrpSpPr>
+          <p:cNvPr id="134" name="Group 133">
+            <a:extLst>
+              <a:ext uri="{FF2B5EF4-FFF2-40B4-BE49-F238E27FC236}">
+                <a16:creationId xmlns:a16="http://schemas.microsoft.com/office/drawing/2014/main" id="{24C9EFBC-7285-A219-862D-BF2B413A6591}"/>
+              </a:ext>
+            </a:extLst>
+          </p:cNvPr>
+          <p:cNvGrpSpPr/>
+          <p:nvPr/>
+        </p:nvGrpSpPr>
+        <p:grpSpPr>
+          <a:xfrm>
+            <a:off x="2136176" y="4392768"/>
+            <a:ext cx="9434420" cy="857334"/>
+            <a:chOff x="2139696" y="1303905"/>
+            <a:chExt cx="9437941" cy="857334"/>
+          </a:xfrm>
+        </p:grpSpPr>
+        <p:sp>
+          <p:nvSpPr>
+            <p:cNvPr id="135" name="Rectangle 134">
+              <a:extLst>
+                <a:ext uri="{FF2B5EF4-FFF2-40B4-BE49-F238E27FC236}">
+                  <a16:creationId xmlns:a16="http://schemas.microsoft.com/office/drawing/2014/main" id="{B1BF8644-1FB9-21EE-35E2-53A4FAFE14C9}"/>
+                </a:ext>
+              </a:extLst>
+            </p:cNvPr>
+            <p:cNvSpPr/>
+            <p:nvPr/>
+          </p:nvSpPr>
+          <p:spPr>
+            <a:xfrm>
+              <a:off x="2139696" y="1303905"/>
+              <a:ext cx="9437941" cy="857334"/>
+            </a:xfrm>
+            <a:prstGeom prst="rect">
+              <a:avLst/>
+            </a:prstGeom>
+            <a:solidFill>
+              <a:schemeClr val="bg2">
+                <a:lumMod val="10000"/>
+              </a:schemeClr>
+            </a:solidFill>
+            <a:ln w="3175">
+              <a:solidFill>
+                <a:schemeClr val="tx1">
+                  <a:lumMod val="85000"/>
+                  <a:lumOff val="15000"/>
+                </a:schemeClr>
+              </a:solidFill>
+            </a:ln>
+          </p:spPr>
+          <p:style>
+            <a:lnRef idx="2">
+              <a:schemeClr val="accent1">
+                <a:shade val="50000"/>
+              </a:schemeClr>
+            </a:lnRef>
+            <a:fillRef idx="1">
+              <a:schemeClr val="accent1"/>
+            </a:fillRef>
+            <a:effectRef idx="0">
+              <a:schemeClr val="accent1"/>
+            </a:effectRef>
+            <a:fontRef idx="minor">
+              <a:schemeClr val="lt1"/>
+            </a:fontRef>
+          </p:style>
+          <p:txBody>
+            <a:bodyPr rtlCol="0" anchor="ctr"/>
+            <a:lstStyle/>
+            <a:p>
+              <a:pPr algn="ctr"/>
+              <a:endParaRPr lang="en-US" dirty="0"/>
+            </a:p>
+          </p:txBody>
+        </p:sp>
+        <p:sp>
+          <p:nvSpPr>
+            <p:cNvPr id="136" name="TextBox 135">
+              <a:extLst>
+                <a:ext uri="{FF2B5EF4-FFF2-40B4-BE49-F238E27FC236}">
+                  <a16:creationId xmlns:a16="http://schemas.microsoft.com/office/drawing/2014/main" id="{3E16C19B-9136-EC41-B870-2FFC1D5D3CB5}"/>
+                </a:ext>
+              </a:extLst>
+            </p:cNvPr>
+            <p:cNvSpPr txBox="1"/>
+            <p:nvPr/>
+          </p:nvSpPr>
+          <p:spPr>
+            <a:xfrm>
+              <a:off x="3191282" y="1460170"/>
+              <a:ext cx="1656223" cy="276999"/>
+            </a:xfrm>
+            <a:prstGeom prst="rect">
+              <a:avLst/>
+            </a:prstGeom>
+            <a:solidFill>
+              <a:schemeClr val="bg2">
+                <a:lumMod val="10000"/>
+              </a:schemeClr>
+            </a:solidFill>
+            <a:ln w="3175">
+              <a:noFill/>
+            </a:ln>
+          </p:spPr>
+          <p:txBody>
+            <a:bodyPr wrap="none" rtlCol="0">
+              <a:spAutoFit/>
+            </a:bodyPr>
+            <a:lstStyle/>
+            <a:p>
+              <a:r>
+                <a:rPr lang="en-US" sz="1200" b="1" dirty="0">
+                  <a:solidFill>
+                    <a:schemeClr val="bg1"/>
+                  </a:solidFill>
+                  <a:latin typeface="Arial" panose="020B0604020202020204" pitchFamily="34" charset="0"/>
+                  <a:cs typeface="Arial" panose="020B0604020202020204" pitchFamily="34" charset="0"/>
+                </a:rPr>
+                <a:t>Post Malone - Circle</a:t>
+              </a:r>
+            </a:p>
+          </p:txBody>
+        </p:sp>
+        <p:sp>
+          <p:nvSpPr>
+            <p:cNvPr id="137" name="TextBox 136">
+              <a:extLst>
+                <a:ext uri="{FF2B5EF4-FFF2-40B4-BE49-F238E27FC236}">
+                  <a16:creationId xmlns:a16="http://schemas.microsoft.com/office/drawing/2014/main" id="{264E871E-BC5A-FCEC-6C85-15BB211E2550}"/>
+                </a:ext>
+              </a:extLst>
+            </p:cNvPr>
+            <p:cNvSpPr txBox="1"/>
+            <p:nvPr/>
+          </p:nvSpPr>
+          <p:spPr>
+            <a:xfrm>
+              <a:off x="3191282" y="1741225"/>
+              <a:ext cx="928459" cy="215444"/>
+            </a:xfrm>
+            <a:prstGeom prst="rect">
+              <a:avLst/>
+            </a:prstGeom>
+            <a:solidFill>
+              <a:schemeClr val="bg2">
+                <a:lumMod val="10000"/>
+              </a:schemeClr>
+            </a:solidFill>
+            <a:ln w="3175">
+              <a:noFill/>
+            </a:ln>
+          </p:spPr>
+          <p:txBody>
+            <a:bodyPr wrap="none" rtlCol="0">
+              <a:spAutoFit/>
+            </a:bodyPr>
+            <a:lstStyle/>
+            <a:p>
+              <a:r>
+                <a:rPr lang="en-US" sz="800" b="1" dirty="0">
+                  <a:solidFill>
+                    <a:schemeClr val="bg1">
+                      <a:lumMod val="75000"/>
+                    </a:schemeClr>
+                  </a:solidFill>
+                  <a:latin typeface="Arial" panose="020B0604020202020204" pitchFamily="34" charset="0"/>
+                  <a:cs typeface="Arial" panose="020B0604020202020204" pitchFamily="34" charset="0"/>
+                </a:rPr>
+                <a:t>Duration – 3:36</a:t>
+              </a:r>
+            </a:p>
+          </p:txBody>
+        </p:sp>
+        <p:pic>
+          <p:nvPicPr>
+            <p:cNvPr id="138" name="Picture 137">
+              <a:extLst>
+                <a:ext uri="{FF2B5EF4-FFF2-40B4-BE49-F238E27FC236}">
+                  <a16:creationId xmlns:a16="http://schemas.microsoft.com/office/drawing/2014/main" id="{D4EE051F-AE1D-9FF8-A3CE-31F3713CF99E}"/>
+                </a:ext>
+              </a:extLst>
+            </p:cNvPr>
+            <p:cNvPicPr>
+              <a:picLocks noChangeAspect="1"/>
+            </p:cNvPicPr>
+            <p:nvPr/>
+          </p:nvPicPr>
+          <p:blipFill>
+            <a:blip r:embed="rId2">
+              <a:extLst>
+                <a:ext uri="{28A0092B-C50C-407E-A947-70E740481C1C}">
+                  <a14:useLocalDpi xmlns:a14="http://schemas.microsoft.com/office/drawing/2010/main" val="0"/>
+                </a:ext>
+              </a:extLst>
+            </a:blip>
+            <a:stretch>
+              <a:fillRect/>
+            </a:stretch>
+          </p:blipFill>
+          <p:spPr>
+            <a:xfrm>
+              <a:off x="2510975" y="1494210"/>
+              <a:ext cx="476724" cy="476724"/>
+            </a:xfrm>
+            <a:prstGeom prst="roundRect">
+              <a:avLst>
+                <a:gd name="adj" fmla="val 16667"/>
+              </a:avLst>
+            </a:prstGeom>
+            <a:ln>
+              <a:noFill/>
+            </a:ln>
+            <a:effectLst>
+              <a:outerShdw blurRad="76200" dist="38100" dir="7800000" algn="tl" rotWithShape="0">
+                <a:srgbClr val="000000">
+                  <a:alpha val="40000"/>
+                </a:srgbClr>
+              </a:outerShdw>
+            </a:effectLst>
+            <a:scene3d>
+              <a:camera prst="orthographicFront"/>
+              <a:lightRig rig="contrasting" dir="t">
+                <a:rot lat="0" lon="0" rev="4200000"/>
+              </a:lightRig>
+            </a:scene3d>
+            <a:sp3d prstMaterial="plastic">
+              <a:bevelT w="381000" h="114300" prst="relaxedInset"/>
+              <a:contourClr>
+                <a:srgbClr val="969696"/>
+              </a:contourClr>
+            </a:sp3d>
+          </p:spPr>
+        </p:pic>
+      </p:grpSp>
+      <p:grpSp>
+        <p:nvGrpSpPr>
+          <p:cNvPr id="139" name="Group 138">
+            <a:extLst>
+              <a:ext uri="{FF2B5EF4-FFF2-40B4-BE49-F238E27FC236}">
+                <a16:creationId xmlns:a16="http://schemas.microsoft.com/office/drawing/2014/main" id="{5154F30F-ABC1-24DD-6C4E-A7D3BACFDC3C}"/>
+              </a:ext>
+            </a:extLst>
+          </p:cNvPr>
+          <p:cNvGrpSpPr/>
+          <p:nvPr/>
+        </p:nvGrpSpPr>
+        <p:grpSpPr>
+          <a:xfrm>
+            <a:off x="2132654" y="5252121"/>
+            <a:ext cx="9437941" cy="857334"/>
+            <a:chOff x="2139696" y="1303905"/>
+            <a:chExt cx="9437941" cy="857334"/>
+          </a:xfrm>
+        </p:grpSpPr>
+        <p:sp>
+          <p:nvSpPr>
+            <p:cNvPr id="140" name="Rectangle 139">
+              <a:extLst>
+                <a:ext uri="{FF2B5EF4-FFF2-40B4-BE49-F238E27FC236}">
+                  <a16:creationId xmlns:a16="http://schemas.microsoft.com/office/drawing/2014/main" id="{43269151-3BF8-62F5-CF98-1FB42164992E}"/>
+                </a:ext>
+              </a:extLst>
+            </p:cNvPr>
+            <p:cNvSpPr/>
+            <p:nvPr/>
+          </p:nvSpPr>
+          <p:spPr>
+            <a:xfrm>
+              <a:off x="2139696" y="1303905"/>
+              <a:ext cx="9437941" cy="857334"/>
+            </a:xfrm>
+            <a:prstGeom prst="rect">
+              <a:avLst/>
+            </a:prstGeom>
+            <a:solidFill>
+              <a:schemeClr val="bg2">
+                <a:lumMod val="10000"/>
+              </a:schemeClr>
+            </a:solidFill>
+            <a:ln w="3175">
+              <a:solidFill>
+                <a:schemeClr val="tx1">
+                  <a:lumMod val="85000"/>
+                  <a:lumOff val="15000"/>
+                </a:schemeClr>
+              </a:solidFill>
+            </a:ln>
+          </p:spPr>
+          <p:style>
+            <a:lnRef idx="2">
+              <a:schemeClr val="accent1">
+                <a:shade val="50000"/>
+              </a:schemeClr>
+            </a:lnRef>
+            <a:fillRef idx="1">
+              <a:schemeClr val="accent1"/>
+            </a:fillRef>
+            <a:effectRef idx="0">
+              <a:schemeClr val="accent1"/>
+            </a:effectRef>
+            <a:fontRef idx="minor">
+              <a:schemeClr val="lt1"/>
+            </a:fontRef>
+          </p:style>
+          <p:txBody>
+            <a:bodyPr rtlCol="0" anchor="ctr"/>
+            <a:lstStyle/>
+            <a:p>
+              <a:pPr algn="ctr"/>
+              <a:endParaRPr lang="en-US" dirty="0"/>
+            </a:p>
+          </p:txBody>
+        </p:sp>
+        <p:sp>
+          <p:nvSpPr>
+            <p:cNvPr id="141" name="TextBox 140">
+              <a:extLst>
+                <a:ext uri="{FF2B5EF4-FFF2-40B4-BE49-F238E27FC236}">
+                  <a16:creationId xmlns:a16="http://schemas.microsoft.com/office/drawing/2014/main" id="{0979686B-F2F1-98A9-6E6C-367D975A52BB}"/>
+                </a:ext>
+              </a:extLst>
+            </p:cNvPr>
+            <p:cNvSpPr txBox="1"/>
+            <p:nvPr/>
+          </p:nvSpPr>
+          <p:spPr>
+            <a:xfrm>
+              <a:off x="3191282" y="1460170"/>
+              <a:ext cx="1656223" cy="276999"/>
+            </a:xfrm>
+            <a:prstGeom prst="rect">
+              <a:avLst/>
+            </a:prstGeom>
+            <a:solidFill>
+              <a:schemeClr val="bg2">
+                <a:lumMod val="10000"/>
+              </a:schemeClr>
+            </a:solidFill>
+            <a:ln w="3175">
+              <a:noFill/>
+            </a:ln>
+          </p:spPr>
+          <p:txBody>
+            <a:bodyPr wrap="none" rtlCol="0">
+              <a:spAutoFit/>
+            </a:bodyPr>
+            <a:lstStyle/>
+            <a:p>
+              <a:r>
+                <a:rPr lang="en-US" sz="1200" b="1" dirty="0">
+                  <a:solidFill>
+                    <a:schemeClr val="bg1"/>
+                  </a:solidFill>
+                  <a:latin typeface="Arial" panose="020B0604020202020204" pitchFamily="34" charset="0"/>
+                  <a:cs typeface="Arial" panose="020B0604020202020204" pitchFamily="34" charset="0"/>
+                </a:rPr>
+                <a:t>Post Malone - Circle</a:t>
+              </a:r>
+            </a:p>
+          </p:txBody>
+        </p:sp>
+        <p:sp>
+          <p:nvSpPr>
+            <p:cNvPr id="142" name="TextBox 141">
+              <a:extLst>
+                <a:ext uri="{FF2B5EF4-FFF2-40B4-BE49-F238E27FC236}">
+                  <a16:creationId xmlns:a16="http://schemas.microsoft.com/office/drawing/2014/main" id="{EE200993-EF14-EAAA-6DD5-8F33C7A65A6B}"/>
+                </a:ext>
+              </a:extLst>
+            </p:cNvPr>
+            <p:cNvSpPr txBox="1"/>
+            <p:nvPr/>
+          </p:nvSpPr>
+          <p:spPr>
+            <a:xfrm>
+              <a:off x="3191282" y="1741225"/>
+              <a:ext cx="928459" cy="215444"/>
+            </a:xfrm>
+            <a:prstGeom prst="rect">
+              <a:avLst/>
+            </a:prstGeom>
+            <a:solidFill>
+              <a:schemeClr val="bg2">
+                <a:lumMod val="10000"/>
+              </a:schemeClr>
+            </a:solidFill>
+            <a:ln w="3175">
+              <a:noFill/>
+            </a:ln>
+          </p:spPr>
+          <p:txBody>
+            <a:bodyPr wrap="none" rtlCol="0">
+              <a:spAutoFit/>
+            </a:bodyPr>
+            <a:lstStyle/>
+            <a:p>
+              <a:r>
+                <a:rPr lang="en-US" sz="800" b="1" dirty="0">
+                  <a:solidFill>
+                    <a:schemeClr val="bg1">
+                      <a:lumMod val="75000"/>
+                    </a:schemeClr>
+                  </a:solidFill>
+                  <a:latin typeface="Arial" panose="020B0604020202020204" pitchFamily="34" charset="0"/>
+                  <a:cs typeface="Arial" panose="020B0604020202020204" pitchFamily="34" charset="0"/>
+                </a:rPr>
+                <a:t>Duration – 3:36</a:t>
+              </a:r>
+            </a:p>
+          </p:txBody>
+        </p:sp>
+        <p:pic>
+          <p:nvPicPr>
+            <p:cNvPr id="143" name="Picture 142">
+              <a:extLst>
+                <a:ext uri="{FF2B5EF4-FFF2-40B4-BE49-F238E27FC236}">
+                  <a16:creationId xmlns:a16="http://schemas.microsoft.com/office/drawing/2014/main" id="{5897EDB4-1D1A-99E1-46FB-52B1D1D4339E}"/>
+                </a:ext>
+              </a:extLst>
+            </p:cNvPr>
+            <p:cNvPicPr>
+              <a:picLocks noChangeAspect="1"/>
+            </p:cNvPicPr>
+            <p:nvPr/>
+          </p:nvPicPr>
+          <p:blipFill>
+            <a:blip r:embed="rId2">
+              <a:extLst>
+                <a:ext uri="{28A0092B-C50C-407E-A947-70E740481C1C}">
+                  <a14:useLocalDpi xmlns:a14="http://schemas.microsoft.com/office/drawing/2010/main" val="0"/>
+                </a:ext>
+              </a:extLst>
+            </a:blip>
+            <a:stretch>
+              <a:fillRect/>
+            </a:stretch>
+          </p:blipFill>
+          <p:spPr>
+            <a:xfrm>
+              <a:off x="2510975" y="1494210"/>
+              <a:ext cx="476724" cy="476724"/>
+            </a:xfrm>
+            <a:prstGeom prst="roundRect">
+              <a:avLst>
+                <a:gd name="adj" fmla="val 16667"/>
+              </a:avLst>
+            </a:prstGeom>
+            <a:ln>
+              <a:noFill/>
+            </a:ln>
+            <a:effectLst>
+              <a:outerShdw blurRad="76200" dist="38100" dir="7800000" algn="tl" rotWithShape="0">
+                <a:srgbClr val="000000">
+                  <a:alpha val="40000"/>
+                </a:srgbClr>
+              </a:outerShdw>
+            </a:effectLst>
+            <a:scene3d>
+              <a:camera prst="orthographicFront"/>
+              <a:lightRig rig="contrasting" dir="t">
+                <a:rot lat="0" lon="0" rev="4200000"/>
+              </a:lightRig>
+            </a:scene3d>
+            <a:sp3d prstMaterial="plastic">
+              <a:bevelT w="381000" h="114300" prst="relaxedInset"/>
+              <a:contourClr>
+                <a:srgbClr val="969696"/>
+              </a:contourClr>
+            </a:sp3d>
+          </p:spPr>
+        </p:pic>
+      </p:grpSp>
+      <p:sp>
+        <p:nvSpPr>
+          <p:cNvPr id="70" name="Rectangle 69">
+            <a:extLst>
+              <a:ext uri="{FF2B5EF4-FFF2-40B4-BE49-F238E27FC236}">
+                <a16:creationId xmlns:a16="http://schemas.microsoft.com/office/drawing/2014/main" id="{56E495DC-25F6-0EC6-F2A5-B91BE53C7F48}"/>
+              </a:ext>
+            </a:extLst>
+          </p:cNvPr>
+          <p:cNvSpPr/>
+          <p:nvPr/>
+        </p:nvSpPr>
+        <p:spPr>
+          <a:xfrm>
+            <a:off x="2139696" y="5742432"/>
+            <a:ext cx="9437941" cy="767905"/>
+          </a:xfrm>
+          <a:prstGeom prst="rect">
+            <a:avLst/>
+          </a:prstGeom>
+          <a:solidFill>
+            <a:schemeClr val="bg2">
+              <a:lumMod val="50000"/>
+            </a:schemeClr>
+          </a:solidFill>
+          <a:ln>
+            <a:noFill/>
+          </a:ln>
+        </p:spPr>
+        <p:style>
+          <a:lnRef idx="2">
+            <a:schemeClr val="accent1">
+              <a:shade val="15000"/>
+            </a:schemeClr>
+          </a:lnRef>
+          <a:fillRef idx="1">
+            <a:schemeClr val="accent1"/>
+          </a:fillRef>
+          <a:effectRef idx="0">
+            <a:schemeClr val="accent1"/>
+          </a:effectRef>
+          <a:fontRef idx="minor">
+            <a:schemeClr val="lt1"/>
+          </a:fontRef>
+        </p:style>
+        <p:txBody>
+          <a:bodyPr rtlCol="0" anchor="ctr"/>
+          <a:lstStyle/>
+          <a:p>
+            <a:pPr algn="ctr"/>
+            <a:endParaRPr lang="en-US"/>
+          </a:p>
+        </p:txBody>
+      </p:sp>
+      <p:pic>
+        <p:nvPicPr>
+          <p:cNvPr id="71" name="Picture 70">
+            <a:extLst>
+              <a:ext uri="{FF2B5EF4-FFF2-40B4-BE49-F238E27FC236}">
+                <a16:creationId xmlns:a16="http://schemas.microsoft.com/office/drawing/2014/main" id="{AD63E0DD-68F7-336B-8BFF-ADE690809E19}"/>
+              </a:ext>
+            </a:extLst>
+          </p:cNvPr>
+          <p:cNvPicPr>
+            <a:picLocks noChangeAspect="1"/>
+          </p:cNvPicPr>
+          <p:nvPr/>
+        </p:nvPicPr>
+        <p:blipFill>
+          <a:blip r:embed="rId3">
+            <a:lum bright="70000" contrast="-70000"/>
+            <a:extLst>
+              <a:ext uri="{28A0092B-C50C-407E-A947-70E740481C1C}">
+                <a14:useLocalDpi xmlns:a14="http://schemas.microsoft.com/office/drawing/2010/main" val="0"/>
+              </a:ext>
+            </a:extLst>
+          </a:blip>
+          <a:stretch>
+            <a:fillRect/>
+          </a:stretch>
+        </p:blipFill>
+        <p:spPr>
+          <a:xfrm>
+            <a:off x="8735571" y="5930770"/>
+            <a:ext cx="418571" cy="418571"/>
+          </a:xfrm>
+          <a:prstGeom prst="rect">
+            <a:avLst/>
+          </a:prstGeom>
+        </p:spPr>
+      </p:pic>
+      <p:pic>
+        <p:nvPicPr>
+          <p:cNvPr id="72" name="Picture 71">
+            <a:extLst>
+              <a:ext uri="{FF2B5EF4-FFF2-40B4-BE49-F238E27FC236}">
+                <a16:creationId xmlns:a16="http://schemas.microsoft.com/office/drawing/2014/main" id="{91732FC8-A31C-A754-5692-24238632674D}"/>
+              </a:ext>
+            </a:extLst>
+          </p:cNvPr>
+          <p:cNvPicPr>
+            <a:picLocks noChangeAspect="1"/>
+          </p:cNvPicPr>
+          <p:nvPr/>
+        </p:nvPicPr>
+        <p:blipFill>
+          <a:blip r:embed="rId4">
+            <a:lum bright="70000" contrast="-70000"/>
+            <a:extLst>
+              <a:ext uri="{28A0092B-C50C-407E-A947-70E740481C1C}">
+                <a14:useLocalDpi xmlns:a14="http://schemas.microsoft.com/office/drawing/2010/main" val="0"/>
+              </a:ext>
+            </a:extLst>
+          </a:blip>
+          <a:stretch>
+            <a:fillRect/>
+          </a:stretch>
+        </p:blipFill>
+        <p:spPr>
+          <a:xfrm rot="10800000">
+            <a:off x="8106665" y="5919764"/>
+            <a:ext cx="429577" cy="429577"/>
+          </a:xfrm>
+          <a:prstGeom prst="rect">
+            <a:avLst/>
+          </a:prstGeom>
+        </p:spPr>
+      </p:pic>
+      <p:pic>
+        <p:nvPicPr>
+          <p:cNvPr id="73" name="Picture 72">
+            <a:extLst>
+              <a:ext uri="{FF2B5EF4-FFF2-40B4-BE49-F238E27FC236}">
+                <a16:creationId xmlns:a16="http://schemas.microsoft.com/office/drawing/2014/main" id="{B860712D-AAC0-0C39-D134-8D8749A8D0CE}"/>
+              </a:ext>
+            </a:extLst>
+          </p:cNvPr>
+          <p:cNvPicPr>
+            <a:picLocks noChangeAspect="1"/>
+          </p:cNvPicPr>
+          <p:nvPr/>
+        </p:nvPicPr>
+        <p:blipFill>
+          <a:blip r:embed="rId4">
+            <a:lum bright="70000" contrast="-70000"/>
+            <a:extLst>
+              <a:ext uri="{28A0092B-C50C-407E-A947-70E740481C1C}">
+                <a14:useLocalDpi xmlns:a14="http://schemas.microsoft.com/office/drawing/2010/main" val="0"/>
+              </a:ext>
+            </a:extLst>
+          </a:blip>
+          <a:stretch>
+            <a:fillRect/>
+          </a:stretch>
+        </p:blipFill>
+        <p:spPr>
+          <a:xfrm>
+            <a:off x="9353471" y="5915549"/>
+            <a:ext cx="429577" cy="429577"/>
+          </a:xfrm>
+          <a:prstGeom prst="rect">
+            <a:avLst/>
+          </a:prstGeom>
+        </p:spPr>
+      </p:pic>
+      <p:grpSp>
+        <p:nvGrpSpPr>
+          <p:cNvPr id="77" name="Group 76">
+            <a:extLst>
+              <a:ext uri="{FF2B5EF4-FFF2-40B4-BE49-F238E27FC236}">
+                <a16:creationId xmlns:a16="http://schemas.microsoft.com/office/drawing/2014/main" id="{7ADDCF78-1233-1104-C231-8854D8157DDF}"/>
+              </a:ext>
+            </a:extLst>
+          </p:cNvPr>
+          <p:cNvGrpSpPr/>
+          <p:nvPr/>
+        </p:nvGrpSpPr>
+        <p:grpSpPr>
+          <a:xfrm>
+            <a:off x="3929170" y="6171225"/>
+            <a:ext cx="3876038" cy="169947"/>
+            <a:chOff x="2539163" y="3402196"/>
+            <a:chExt cx="3876038" cy="169947"/>
+          </a:xfrm>
+        </p:grpSpPr>
+        <p:cxnSp>
+          <p:nvCxnSpPr>
+            <p:cNvPr id="74" name="Straight Connector 73">
+              <a:extLst>
+                <a:ext uri="{FF2B5EF4-FFF2-40B4-BE49-F238E27FC236}">
+                  <a16:creationId xmlns:a16="http://schemas.microsoft.com/office/drawing/2014/main" id="{50A35766-F716-F935-2146-A6FC73E46CE2}"/>
+                </a:ext>
+              </a:extLst>
+            </p:cNvPr>
+            <p:cNvCxnSpPr/>
+            <p:nvPr/>
+          </p:nvCxnSpPr>
+          <p:spPr>
+            <a:xfrm>
+              <a:off x="2539163" y="3487172"/>
+              <a:ext cx="3876038" cy="0"/>
+            </a:xfrm>
+            <a:prstGeom prst="line">
+              <a:avLst/>
+            </a:prstGeom>
+            <a:ln/>
+          </p:spPr>
+          <p:style>
+            <a:lnRef idx="2">
+              <a:schemeClr val="accent3"/>
+            </a:lnRef>
+            <a:fillRef idx="0">
+              <a:schemeClr val="accent3"/>
+            </a:fillRef>
+            <a:effectRef idx="1">
+              <a:schemeClr val="accent3"/>
+            </a:effectRef>
+            <a:fontRef idx="minor">
+              <a:schemeClr val="tx1"/>
+            </a:fontRef>
+          </p:style>
+        </p:cxnSp>
+        <p:cxnSp>
+          <p:nvCxnSpPr>
+            <p:cNvPr id="75" name="Straight Connector 74">
+              <a:extLst>
+                <a:ext uri="{FF2B5EF4-FFF2-40B4-BE49-F238E27FC236}">
+                  <a16:creationId xmlns:a16="http://schemas.microsoft.com/office/drawing/2014/main" id="{3B3EECC4-76DA-A096-8520-FD289F6C2ECD}"/>
+                </a:ext>
+              </a:extLst>
+            </p:cNvPr>
+            <p:cNvCxnSpPr>
+              <a:cxnSpLocks/>
+            </p:cNvCxnSpPr>
+            <p:nvPr/>
+          </p:nvCxnSpPr>
+          <p:spPr>
+            <a:xfrm>
+              <a:off x="2539163" y="3487172"/>
+              <a:ext cx="1750051" cy="0"/>
+            </a:xfrm>
+            <a:prstGeom prst="line">
+              <a:avLst/>
+            </a:prstGeom>
+            <a:ln w="38100"/>
+          </p:spPr>
+          <p:style>
+            <a:lnRef idx="3">
+              <a:schemeClr val="accent5"/>
+            </a:lnRef>
+            <a:fillRef idx="0">
+              <a:schemeClr val="accent5"/>
+            </a:fillRef>
+            <a:effectRef idx="2">
+              <a:schemeClr val="accent5"/>
+            </a:effectRef>
+            <a:fontRef idx="minor">
+              <a:schemeClr val="tx1"/>
+            </a:fontRef>
+          </p:style>
+        </p:cxnSp>
+        <p:sp>
+          <p:nvSpPr>
+            <p:cNvPr id="76" name="Oval 75">
+              <a:extLst>
+                <a:ext uri="{FF2B5EF4-FFF2-40B4-BE49-F238E27FC236}">
+                  <a16:creationId xmlns:a16="http://schemas.microsoft.com/office/drawing/2014/main" id="{DF26ACBD-7F4F-3D9F-E074-4DCC901F11AE}"/>
+                </a:ext>
+              </a:extLst>
+            </p:cNvPr>
+            <p:cNvSpPr/>
+            <p:nvPr/>
+          </p:nvSpPr>
+          <p:spPr>
+            <a:xfrm>
+              <a:off x="4248323" y="3402196"/>
+              <a:ext cx="169947" cy="169947"/>
+            </a:xfrm>
+            <a:prstGeom prst="ellipse">
+              <a:avLst/>
+            </a:prstGeom>
+            <a:solidFill>
+              <a:schemeClr val="bg1"/>
+            </a:solidFill>
+            <a:ln>
+              <a:noFill/>
+            </a:ln>
+          </p:spPr>
+          <p:style>
+            <a:lnRef idx="2">
+              <a:schemeClr val="accent5">
+                <a:shade val="50000"/>
+              </a:schemeClr>
+            </a:lnRef>
+            <a:fillRef idx="1">
+              <a:schemeClr val="accent5"/>
+            </a:fillRef>
+            <a:effectRef idx="0">
+              <a:schemeClr val="accent5"/>
+            </a:effectRef>
+            <a:fontRef idx="minor">
+              <a:schemeClr val="lt1"/>
+            </a:fontRef>
+          </p:style>
+          <p:txBody>
+            <a:bodyPr rtlCol="0" anchor="ctr"/>
+            <a:lstStyle/>
+            <a:p>
+              <a:pPr algn="ctr"/>
+              <a:endParaRPr lang="en-US" dirty="0"/>
+            </a:p>
+          </p:txBody>
+        </p:sp>
+      </p:grpSp>
+      <p:pic>
+        <p:nvPicPr>
+          <p:cNvPr id="78" name="Picture 77">
+            <a:extLst>
+              <a:ext uri="{FF2B5EF4-FFF2-40B4-BE49-F238E27FC236}">
+                <a16:creationId xmlns:a16="http://schemas.microsoft.com/office/drawing/2014/main" id="{971F637B-90C4-7603-DADE-BA629DFD3FDF}"/>
+              </a:ext>
+            </a:extLst>
+          </p:cNvPr>
+          <p:cNvPicPr>
+            <a:picLocks noChangeAspect="1"/>
+          </p:cNvPicPr>
+          <p:nvPr/>
+        </p:nvPicPr>
+        <p:blipFill>
+          <a:blip r:embed="rId2">
+            <a:extLst>
+              <a:ext uri="{28A0092B-C50C-407E-A947-70E740481C1C}">
+                <a14:useLocalDpi xmlns:a14="http://schemas.microsoft.com/office/drawing/2010/main" val="0"/>
+              </a:ext>
+            </a:extLst>
+          </a:blip>
+          <a:stretch>
+            <a:fillRect/>
+          </a:stretch>
+        </p:blipFill>
+        <p:spPr>
+          <a:xfrm>
+            <a:off x="3208906" y="5877293"/>
+            <a:ext cx="476724" cy="476724"/>
+          </a:xfrm>
+          <a:prstGeom prst="roundRect">
+            <a:avLst>
+              <a:gd name="adj" fmla="val 16667"/>
+            </a:avLst>
+          </a:prstGeom>
+          <a:ln>
+            <a:noFill/>
+          </a:ln>
+          <a:effectLst>
+            <a:outerShdw blurRad="76200" dist="38100" dir="7800000" algn="tl" rotWithShape="0">
+              <a:srgbClr val="000000">
+                <a:alpha val="40000"/>
+              </a:srgbClr>
+            </a:outerShdw>
+          </a:effectLst>
+          <a:scene3d>
+            <a:camera prst="orthographicFront"/>
+            <a:lightRig rig="contrasting" dir="t">
+              <a:rot lat="0" lon="0" rev="4200000"/>
+            </a:lightRig>
+          </a:scene3d>
+          <a:sp3d prstMaterial="plastic">
+            <a:bevelT w="381000" h="114300" prst="relaxedInset"/>
+            <a:contourClr>
+              <a:srgbClr val="969696"/>
+            </a:contourClr>
+          </a:sp3d>
+        </p:spPr>
+      </p:pic>
+      <p:sp>
+        <p:nvSpPr>
+          <p:cNvPr id="79" name="TextBox 78">
+            <a:extLst>
+              <a:ext uri="{FF2B5EF4-FFF2-40B4-BE49-F238E27FC236}">
+                <a16:creationId xmlns:a16="http://schemas.microsoft.com/office/drawing/2014/main" id="{FFFA9C36-8441-8D71-BCEB-ED8BFB23CCED}"/>
+              </a:ext>
+            </a:extLst>
+          </p:cNvPr>
+          <p:cNvSpPr txBox="1"/>
+          <p:nvPr/>
+        </p:nvSpPr>
+        <p:spPr>
+          <a:xfrm>
+            <a:off x="3835702" y="5854045"/>
+            <a:ext cx="2318263" cy="261610"/>
+          </a:xfrm>
+          <a:prstGeom prst="rect">
+            <a:avLst/>
+          </a:prstGeom>
+          <a:noFill/>
+        </p:spPr>
+        <p:txBody>
+          <a:bodyPr wrap="none" rtlCol="0">
+            <a:spAutoFit/>
+          </a:bodyPr>
+          <a:lstStyle/>
+          <a:p>
+            <a:r>
+              <a:rPr lang="en-US" sz="1100" dirty="0">
+                <a:solidFill>
+                  <a:schemeClr val="bg1"/>
+                </a:solidFill>
+                <a:latin typeface="Arial" panose="020B0604020202020204" pitchFamily="34" charset="0"/>
+                <a:cs typeface="Arial" panose="020B0604020202020204" pitchFamily="34" charset="0"/>
+              </a:rPr>
+              <a:t>Now Playing: Post Malone - Circle</a:t>
+            </a:r>
+          </a:p>
+        </p:txBody>
+      </p:sp>
+      <p:pic>
+        <p:nvPicPr>
+          <p:cNvPr id="81" name="Picture 80">
+            <a:extLst>
+              <a:ext uri="{FF2B5EF4-FFF2-40B4-BE49-F238E27FC236}">
+                <a16:creationId xmlns:a16="http://schemas.microsoft.com/office/drawing/2014/main" id="{FD194E69-AE7F-5F74-D9E7-80544E55CC23}"/>
+              </a:ext>
+            </a:extLst>
+          </p:cNvPr>
+          <p:cNvPicPr>
+            <a:picLocks noChangeAspect="1"/>
+          </p:cNvPicPr>
+          <p:nvPr/>
+        </p:nvPicPr>
+        <p:blipFill>
+          <a:blip r:embed="rId5">
+            <a:extLst>
+              <a:ext uri="{BEBA8EAE-BF5A-486C-A8C5-ECC9F3942E4B}">
+                <a14:imgProps xmlns:a14="http://schemas.microsoft.com/office/drawing/2010/main">
+                  <a14:imgLayer r:embed="rId6">
+                    <a14:imgEffect>
+                      <a14:artisticPhotocopy/>
+                    </a14:imgEffect>
+                  </a14:imgLayer>
+                </a14:imgProps>
+              </a:ext>
+              <a:ext uri="{28A0092B-C50C-407E-A947-70E740481C1C}">
+                <a14:useLocalDpi xmlns:a14="http://schemas.microsoft.com/office/drawing/2010/main" val="0"/>
+              </a:ext>
+            </a:extLst>
+          </a:blip>
+          <a:stretch>
+            <a:fillRect/>
+          </a:stretch>
+        </p:blipFill>
+        <p:spPr>
+          <a:xfrm>
+            <a:off x="11020874" y="6009863"/>
+            <a:ext cx="211583" cy="211583"/>
+          </a:xfrm>
+          <a:prstGeom prst="rect">
+            <a:avLst/>
+          </a:prstGeom>
+        </p:spPr>
+      </p:pic>
+    </p:spTree>
+    <p:extLst>
+      <p:ext uri="{BB962C8B-B14F-4D97-AF65-F5344CB8AC3E}">
+        <p14:creationId xmlns:p14="http://schemas.microsoft.com/office/powerpoint/2010/main" val="3392066914"/>
+      </p:ext>
+    </p:extLst>
+  </p:cSld>
+  <p:clrMapOvr>
+    <a:masterClrMapping/>
+  </p:clrMapOvr>
+</p:sld>
+</file>
+
+<file path=ppt/slides/slide3.xml><?xml version="1.0" encoding="utf-8"?>
+<p:sld xmlns:a="http://schemas.openxmlformats.org/drawingml/2006/main" xmlns:r="http://schemas.openxmlformats.org/officeDocument/2006/relationships" xmlns:p="http://schemas.openxmlformats.org/presentationml/2006/main">
+  <p:cSld>
+    <p:spTree>
+      <p:nvGrpSpPr>
+        <p:cNvPr id="1" name=""/>
+        <p:cNvGrpSpPr/>
+        <p:nvPr/>
+      </p:nvGrpSpPr>
+      <p:grpSpPr>
+        <a:xfrm>
+          <a:off x="0" y="0"/>
+          <a:ext cx="0" cy="0"/>
+          <a:chOff x="0" y="0"/>
+          <a:chExt cx="0" cy="0"/>
+        </a:xfrm>
+      </p:grpSpPr>
       <p:grpSp>
         <p:nvGrpSpPr>
           <p:cNvPr id="14" name="Group 13">
@@ -6441,7 +8917,7 @@
 </p:sld>
 </file>
 
-<file path=ppt/slides/slide3.xml><?xml version="1.0" encoding="utf-8"?>
+<file path=ppt/slides/slide4.xml><?xml version="1.0" encoding="utf-8"?>
 <p:sld xmlns:a="http://schemas.openxmlformats.org/drawingml/2006/main" xmlns:r="http://schemas.openxmlformats.org/officeDocument/2006/relationships" xmlns:p="http://schemas.openxmlformats.org/presentationml/2006/main">
   <p:cSld>
     <p:spTree>
@@ -6472,7 +8948,7 @@
         </p:nvGrpSpPr>
         <p:grpSpPr>
           <a:xfrm>
-            <a:off x="872318" y="2432482"/>
+            <a:off x="597998" y="2587930"/>
             <a:ext cx="10447363" cy="1494040"/>
             <a:chOff x="109796" y="3537805"/>
             <a:chExt cx="4094054" cy="585476"/>

--- a/Design.pptx
+++ b/Design.pptx
@@ -262,7 +262,7 @@
           <a:p>
             <a:fld id="{B765B296-C75D-4703-A406-B31156A76E93}" type="datetimeFigureOut">
               <a:rPr lang="en-US" smtClean="0"/>
-              <a:t>6/22/2023</a:t>
+              <a:t>6/24/2023</a:t>
             </a:fld>
             <a:endParaRPr lang="en-US"/>
           </a:p>
@@ -460,7 +460,7 @@
           <a:p>
             <a:fld id="{B765B296-C75D-4703-A406-B31156A76E93}" type="datetimeFigureOut">
               <a:rPr lang="en-US" smtClean="0"/>
-              <a:t>6/22/2023</a:t>
+              <a:t>6/24/2023</a:t>
             </a:fld>
             <a:endParaRPr lang="en-US"/>
           </a:p>
@@ -668,7 +668,7 @@
           <a:p>
             <a:fld id="{B765B296-C75D-4703-A406-B31156A76E93}" type="datetimeFigureOut">
               <a:rPr lang="en-US" smtClean="0"/>
-              <a:t>6/22/2023</a:t>
+              <a:t>6/24/2023</a:t>
             </a:fld>
             <a:endParaRPr lang="en-US"/>
           </a:p>
@@ -866,7 +866,7 @@
           <a:p>
             <a:fld id="{B765B296-C75D-4703-A406-B31156A76E93}" type="datetimeFigureOut">
               <a:rPr lang="en-US" smtClean="0"/>
-              <a:t>6/22/2023</a:t>
+              <a:t>6/24/2023</a:t>
             </a:fld>
             <a:endParaRPr lang="en-US"/>
           </a:p>
@@ -1141,7 +1141,7 @@
           <a:p>
             <a:fld id="{B765B296-C75D-4703-A406-B31156A76E93}" type="datetimeFigureOut">
               <a:rPr lang="en-US" smtClean="0"/>
-              <a:t>6/22/2023</a:t>
+              <a:t>6/24/2023</a:t>
             </a:fld>
             <a:endParaRPr lang="en-US"/>
           </a:p>
@@ -1406,7 +1406,7 @@
           <a:p>
             <a:fld id="{B765B296-C75D-4703-A406-B31156A76E93}" type="datetimeFigureOut">
               <a:rPr lang="en-US" smtClean="0"/>
-              <a:t>6/22/2023</a:t>
+              <a:t>6/24/2023</a:t>
             </a:fld>
             <a:endParaRPr lang="en-US"/>
           </a:p>
@@ -1818,7 +1818,7 @@
           <a:p>
             <a:fld id="{B765B296-C75D-4703-A406-B31156A76E93}" type="datetimeFigureOut">
               <a:rPr lang="en-US" smtClean="0"/>
-              <a:t>6/22/2023</a:t>
+              <a:t>6/24/2023</a:t>
             </a:fld>
             <a:endParaRPr lang="en-US"/>
           </a:p>
@@ -1959,7 +1959,7 @@
           <a:p>
             <a:fld id="{B765B296-C75D-4703-A406-B31156A76E93}" type="datetimeFigureOut">
               <a:rPr lang="en-US" smtClean="0"/>
-              <a:t>6/22/2023</a:t>
+              <a:t>6/24/2023</a:t>
             </a:fld>
             <a:endParaRPr lang="en-US"/>
           </a:p>
@@ -2072,7 +2072,7 @@
           <a:p>
             <a:fld id="{B765B296-C75D-4703-A406-B31156A76E93}" type="datetimeFigureOut">
               <a:rPr lang="en-US" smtClean="0"/>
-              <a:t>6/22/2023</a:t>
+              <a:t>6/24/2023</a:t>
             </a:fld>
             <a:endParaRPr lang="en-US"/>
           </a:p>
@@ -2383,7 +2383,7 @@
           <a:p>
             <a:fld id="{B765B296-C75D-4703-A406-B31156A76E93}" type="datetimeFigureOut">
               <a:rPr lang="en-US" smtClean="0"/>
-              <a:t>6/22/2023</a:t>
+              <a:t>6/24/2023</a:t>
             </a:fld>
             <a:endParaRPr lang="en-US"/>
           </a:p>
@@ -2671,7 +2671,7 @@
           <a:p>
             <a:fld id="{B765B296-C75D-4703-A406-B31156A76E93}" type="datetimeFigureOut">
               <a:rPr lang="en-US" smtClean="0"/>
-              <a:t>6/22/2023</a:t>
+              <a:t>6/24/2023</a:t>
             </a:fld>
             <a:endParaRPr lang="en-US"/>
           </a:p>
@@ -2912,7 +2912,7 @@
           <a:p>
             <a:fld id="{B765B296-C75D-4703-A406-B31156A76E93}" type="datetimeFigureOut">
               <a:rPr lang="en-US" smtClean="0"/>
-              <a:t>6/22/2023</a:t>
+              <a:t>6/24/2023</a:t>
             </a:fld>
             <a:endParaRPr lang="en-US"/>
           </a:p>
